--- a/Overview.pptx
+++ b/Overview.pptx
@@ -2988,7 +2988,7 @@
         <p:spPr>
           <a:xfrm>
             <a:off x="8280000" y="3600000"/>
-            <a:ext cx="3600000" cy="7200000"/>
+            <a:ext cx="3600000" cy="7560000"/>
           </a:xfrm>
           <a:prstGeom prst="rect">
             <a:avLst/>
@@ -3038,1378 +3038,6 @@
       </p:sp>
       <p:sp>
         <p:nvSpPr>
-          <p:cNvPr id="8" name="Rectangle 7">
-            <a:extLst>
-              <a:ext uri="{FF2B5EF4-FFF2-40B4-BE49-F238E27FC236}">
-                <a16:creationId xmlns:a16="http://schemas.microsoft.com/office/drawing/2014/main" id="{FBB3E0A7-3BEB-2DCA-76A9-88CDD0165A4E}"/>
-              </a:ext>
-            </a:extLst>
-          </p:cNvPr>
-          <p:cNvSpPr/>
-          <p:nvPr/>
-        </p:nvSpPr>
-        <p:spPr>
-          <a:xfrm>
-            <a:off x="30291399" y="7586628"/>
-            <a:ext cx="1800000" cy="1080000"/>
-          </a:xfrm>
-          <a:prstGeom prst="rect">
-            <a:avLst/>
-          </a:prstGeom>
-          <a:solidFill>
-            <a:schemeClr val="accent1">
-              <a:lumMod val="60000"/>
-              <a:lumOff val="40000"/>
-            </a:schemeClr>
-          </a:solidFill>
-          <a:ln>
-            <a:noFill/>
-          </a:ln>
-        </p:spPr>
-        <p:style>
-          <a:lnRef idx="2">
-            <a:schemeClr val="accent1">
-              <a:shade val="15000"/>
-            </a:schemeClr>
-          </a:lnRef>
-          <a:fillRef idx="1">
-            <a:schemeClr val="accent1"/>
-          </a:fillRef>
-          <a:effectRef idx="0">
-            <a:schemeClr val="accent1"/>
-          </a:effectRef>
-          <a:fontRef idx="minor">
-            <a:schemeClr val="lt1"/>
-          </a:fontRef>
-        </p:style>
-        <p:txBody>
-          <a:bodyPr rtlCol="0" anchor="ctr"/>
-          <a:lstStyle/>
-          <a:p>
-            <a:pPr algn="ctr"/>
-            <a:r>
-              <a:rPr lang="en-FR" dirty="0">
-                <a:solidFill>
-                  <a:sysClr val="windowText" lastClr="000000"/>
-                </a:solidFill>
-              </a:rPr>
-              <a:t>Risk</a:t>
-            </a:r>
-          </a:p>
-        </p:txBody>
-      </p:sp>
-      <p:cxnSp>
-        <p:nvCxnSpPr>
-          <p:cNvPr id="16" name="Elbow Connector 15">
-            <a:extLst>
-              <a:ext uri="{FF2B5EF4-FFF2-40B4-BE49-F238E27FC236}">
-                <a16:creationId xmlns:a16="http://schemas.microsoft.com/office/drawing/2014/main" id="{A6F3F097-B6D0-684F-0A22-8B97E6EED4BA}"/>
-              </a:ext>
-            </a:extLst>
-          </p:cNvPr>
-          <p:cNvCxnSpPr>
-            <a:cxnSpLocks/>
-            <a:stCxn id="8" idx="2"/>
-          </p:cNvCxnSpPr>
-          <p:nvPr/>
-        </p:nvCxnSpPr>
-        <p:spPr>
-          <a:xfrm rot="16200000" flipH="1">
-            <a:off x="31186275" y="8671751"/>
-            <a:ext cx="216225" cy="205977"/>
-          </a:xfrm>
-          <a:prstGeom prst="bentConnector3">
-            <a:avLst>
-              <a:gd name="adj1" fmla="val 100345"/>
-            </a:avLst>
-          </a:prstGeom>
-          <a:ln w="12700">
-            <a:solidFill>
-              <a:schemeClr val="tx1"/>
-            </a:solidFill>
-            <a:prstDash val="lgDash"/>
-            <a:tailEnd type="triangle"/>
-          </a:ln>
-        </p:spPr>
-        <p:style>
-          <a:lnRef idx="1">
-            <a:schemeClr val="accent1"/>
-          </a:lnRef>
-          <a:fillRef idx="0">
-            <a:schemeClr val="accent1"/>
-          </a:fillRef>
-          <a:effectRef idx="0">
-            <a:schemeClr val="accent1"/>
-          </a:effectRef>
-          <a:fontRef idx="minor">
-            <a:schemeClr val="tx1"/>
-          </a:fontRef>
-        </p:style>
-      </p:cxnSp>
-      <p:cxnSp>
-        <p:nvCxnSpPr>
-          <p:cNvPr id="17" name="Elbow Connector 16">
-            <a:extLst>
-              <a:ext uri="{FF2B5EF4-FFF2-40B4-BE49-F238E27FC236}">
-                <a16:creationId xmlns:a16="http://schemas.microsoft.com/office/drawing/2014/main" id="{AA261C6F-4345-A878-7540-5E9FC6437B1B}"/>
-              </a:ext>
-            </a:extLst>
-          </p:cNvPr>
-          <p:cNvCxnSpPr>
-            <a:cxnSpLocks/>
-          </p:cNvCxnSpPr>
-          <p:nvPr/>
-        </p:nvCxnSpPr>
-        <p:spPr>
-          <a:xfrm rot="16200000" flipH="1">
-            <a:off x="31135210" y="8818374"/>
-            <a:ext cx="318355" cy="205976"/>
-          </a:xfrm>
-          <a:prstGeom prst="bentConnector3">
-            <a:avLst>
-              <a:gd name="adj1" fmla="val 100151"/>
-            </a:avLst>
-          </a:prstGeom>
-          <a:ln w="12700">
-            <a:solidFill>
-              <a:schemeClr val="tx1"/>
-            </a:solidFill>
-            <a:prstDash val="lgDash"/>
-            <a:tailEnd type="triangle"/>
-          </a:ln>
-        </p:spPr>
-        <p:style>
-          <a:lnRef idx="1">
-            <a:schemeClr val="accent1"/>
-          </a:lnRef>
-          <a:fillRef idx="0">
-            <a:schemeClr val="accent1"/>
-          </a:fillRef>
-          <a:effectRef idx="0">
-            <a:schemeClr val="accent1"/>
-          </a:effectRef>
-          <a:fontRef idx="minor">
-            <a:schemeClr val="tx1"/>
-          </a:fontRef>
-        </p:style>
-      </p:cxnSp>
-      <p:sp>
-        <p:nvSpPr>
-          <p:cNvPr id="18" name="TextBox 17">
-            <a:extLst>
-              <a:ext uri="{FF2B5EF4-FFF2-40B4-BE49-F238E27FC236}">
-                <a16:creationId xmlns:a16="http://schemas.microsoft.com/office/drawing/2014/main" id="{6E83E5AD-D8FB-E6D1-454E-10038FCDB88F}"/>
-              </a:ext>
-            </a:extLst>
-          </p:cNvPr>
-          <p:cNvSpPr txBox="1"/>
-          <p:nvPr/>
-        </p:nvSpPr>
-        <p:spPr>
-          <a:xfrm>
-            <a:off x="31397376" y="8729869"/>
-            <a:ext cx="776514" cy="461665"/>
-          </a:xfrm>
-          <a:prstGeom prst="rect">
-            <a:avLst/>
-          </a:prstGeom>
-          <a:noFill/>
-        </p:spPr>
-        <p:txBody>
-          <a:bodyPr wrap="square" rtlCol="0">
-            <a:spAutoFit/>
-          </a:bodyPr>
-          <a:lstStyle/>
-          <a:p>
-            <a:r>
-              <a:rPr lang="en-FR" sz="1200" dirty="0"/>
-              <a:t>Greeks</a:t>
-            </a:r>
-          </a:p>
-          <a:p>
-            <a:r>
-              <a:rPr lang="en-FR" sz="1200" dirty="0"/>
-              <a:t>VaR</a:t>
-            </a:r>
-          </a:p>
-        </p:txBody>
-      </p:sp>
-      <p:grpSp>
-        <p:nvGrpSpPr>
-          <p:cNvPr id="35" name="Group 34">
-            <a:extLst>
-              <a:ext uri="{FF2B5EF4-FFF2-40B4-BE49-F238E27FC236}">
-                <a16:creationId xmlns:a16="http://schemas.microsoft.com/office/drawing/2014/main" id="{D17666D4-EF61-B414-718F-A40E8DFE7EB2}"/>
-              </a:ext>
-            </a:extLst>
-          </p:cNvPr>
-          <p:cNvGrpSpPr/>
-          <p:nvPr/>
-        </p:nvGrpSpPr>
-        <p:grpSpPr>
-          <a:xfrm>
-            <a:off x="27446402" y="11012430"/>
-            <a:ext cx="4339034" cy="750196"/>
-            <a:chOff x="5138855" y="5623736"/>
-            <a:chExt cx="4339034" cy="750196"/>
-          </a:xfrm>
-        </p:grpSpPr>
-        <p:grpSp>
-          <p:nvGrpSpPr>
-            <p:cNvPr id="59" name="Group 58">
-              <a:extLst>
-                <a:ext uri="{FF2B5EF4-FFF2-40B4-BE49-F238E27FC236}">
-                  <a16:creationId xmlns:a16="http://schemas.microsoft.com/office/drawing/2014/main" id="{0E1C33FA-54E7-3FD5-858B-F2BFC4AF02DA}"/>
-                </a:ext>
-              </a:extLst>
-            </p:cNvPr>
-            <p:cNvGrpSpPr/>
-            <p:nvPr/>
-          </p:nvGrpSpPr>
-          <p:grpSpPr>
-            <a:xfrm>
-              <a:off x="7760411" y="5623736"/>
-              <a:ext cx="1717478" cy="750196"/>
-              <a:chOff x="8807574" y="4211917"/>
-              <a:chExt cx="1717478" cy="750196"/>
-            </a:xfrm>
-          </p:grpSpPr>
-          <p:sp>
-            <p:nvSpPr>
-              <p:cNvPr id="61" name="Rectangle 60">
-                <a:extLst>
-                  <a:ext uri="{FF2B5EF4-FFF2-40B4-BE49-F238E27FC236}">
-                    <a16:creationId xmlns:a16="http://schemas.microsoft.com/office/drawing/2014/main" id="{9FF92EF0-E852-ED40-D31D-05B9CC55677F}"/>
-                  </a:ext>
-                </a:extLst>
-              </p:cNvPr>
-              <p:cNvSpPr>
-                <a:spLocks/>
-              </p:cNvSpPr>
-              <p:nvPr/>
-            </p:nvSpPr>
-            <p:spPr>
-              <a:xfrm>
-                <a:off x="9023852" y="4422113"/>
-                <a:ext cx="1501200" cy="540000"/>
-              </a:xfrm>
-              <a:prstGeom prst="rect">
-                <a:avLst/>
-              </a:prstGeom>
-              <a:solidFill>
-                <a:schemeClr val="accent1">
-                  <a:lumMod val="60000"/>
-                  <a:lumOff val="40000"/>
-                </a:schemeClr>
-              </a:solidFill>
-              <a:ln>
-                <a:solidFill>
-                  <a:srgbClr val="002060"/>
-                </a:solidFill>
-              </a:ln>
-            </p:spPr>
-            <p:style>
-              <a:lnRef idx="2">
-                <a:schemeClr val="accent1">
-                  <a:shade val="15000"/>
-                </a:schemeClr>
-              </a:lnRef>
-              <a:fillRef idx="1">
-                <a:schemeClr val="accent1"/>
-              </a:fillRef>
-              <a:effectRef idx="0">
-                <a:schemeClr val="accent1"/>
-              </a:effectRef>
-              <a:fontRef idx="minor">
-                <a:schemeClr val="lt1"/>
-              </a:fontRef>
-            </p:style>
-            <p:txBody>
-              <a:bodyPr rtlCol="0" anchor="ctr"/>
-              <a:lstStyle/>
-              <a:p>
-                <a:pPr algn="ctr"/>
-                <a:endParaRPr lang="en-FR" sz="1200" dirty="0">
-                  <a:solidFill>
-                    <a:sysClr val="windowText" lastClr="000000"/>
-                  </a:solidFill>
-                </a:endParaRPr>
-              </a:p>
-            </p:txBody>
-          </p:sp>
-          <p:sp>
-            <p:nvSpPr>
-              <p:cNvPr id="62" name="Rectangle 61">
-                <a:extLst>
-                  <a:ext uri="{FF2B5EF4-FFF2-40B4-BE49-F238E27FC236}">
-                    <a16:creationId xmlns:a16="http://schemas.microsoft.com/office/drawing/2014/main" id="{D2FD5799-4AC7-B72B-B4E5-85AD9621212E}"/>
-                  </a:ext>
-                </a:extLst>
-              </p:cNvPr>
-              <p:cNvSpPr>
-                <a:spLocks/>
-              </p:cNvSpPr>
-              <p:nvPr/>
-            </p:nvSpPr>
-            <p:spPr>
-              <a:xfrm>
-                <a:off x="8915852" y="4314113"/>
-                <a:ext cx="1501200" cy="540000"/>
-              </a:xfrm>
-              <a:prstGeom prst="rect">
-                <a:avLst/>
-              </a:prstGeom>
-              <a:solidFill>
-                <a:schemeClr val="accent1">
-                  <a:lumMod val="60000"/>
-                  <a:lumOff val="40000"/>
-                </a:schemeClr>
-              </a:solidFill>
-              <a:ln>
-                <a:solidFill>
-                  <a:srgbClr val="002060"/>
-                </a:solidFill>
-              </a:ln>
-            </p:spPr>
-            <p:style>
-              <a:lnRef idx="2">
-                <a:schemeClr val="accent1">
-                  <a:shade val="15000"/>
-                </a:schemeClr>
-              </a:lnRef>
-              <a:fillRef idx="1">
-                <a:schemeClr val="accent1"/>
-              </a:fillRef>
-              <a:effectRef idx="0">
-                <a:schemeClr val="accent1"/>
-              </a:effectRef>
-              <a:fontRef idx="minor">
-                <a:schemeClr val="lt1"/>
-              </a:fontRef>
-            </p:style>
-            <p:txBody>
-              <a:bodyPr rtlCol="0" anchor="ctr"/>
-              <a:lstStyle/>
-              <a:p>
-                <a:pPr algn="ctr"/>
-                <a:endParaRPr lang="en-FR" sz="1200" dirty="0">
-                  <a:solidFill>
-                    <a:sysClr val="windowText" lastClr="000000"/>
-                  </a:solidFill>
-                </a:endParaRPr>
-              </a:p>
-            </p:txBody>
-          </p:sp>
-          <p:sp>
-            <p:nvSpPr>
-              <p:cNvPr id="63" name="Rectangle 62">
-                <a:extLst>
-                  <a:ext uri="{FF2B5EF4-FFF2-40B4-BE49-F238E27FC236}">
-                    <a16:creationId xmlns:a16="http://schemas.microsoft.com/office/drawing/2014/main" id="{7B8EF06C-33F7-A002-60A9-234758053D93}"/>
-                  </a:ext>
-                </a:extLst>
-              </p:cNvPr>
-              <p:cNvSpPr>
-                <a:spLocks/>
-              </p:cNvSpPr>
-              <p:nvPr/>
-            </p:nvSpPr>
-            <p:spPr>
-              <a:xfrm>
-                <a:off x="8807574" y="4211917"/>
-                <a:ext cx="1501200" cy="540000"/>
-              </a:xfrm>
-              <a:prstGeom prst="rect">
-                <a:avLst/>
-              </a:prstGeom>
-              <a:solidFill>
-                <a:schemeClr val="accent1">
-                  <a:lumMod val="60000"/>
-                  <a:lumOff val="40000"/>
-                </a:schemeClr>
-              </a:solidFill>
-              <a:ln>
-                <a:solidFill>
-                  <a:srgbClr val="002060"/>
-                </a:solidFill>
-              </a:ln>
-            </p:spPr>
-            <p:style>
-              <a:lnRef idx="2">
-                <a:schemeClr val="accent1">
-                  <a:shade val="15000"/>
-                </a:schemeClr>
-              </a:lnRef>
-              <a:fillRef idx="1">
-                <a:schemeClr val="accent1"/>
-              </a:fillRef>
-              <a:effectRef idx="0">
-                <a:schemeClr val="accent1"/>
-              </a:effectRef>
-              <a:fontRef idx="minor">
-                <a:schemeClr val="lt1"/>
-              </a:fontRef>
-            </p:style>
-            <p:txBody>
-              <a:bodyPr rtlCol="0" anchor="ctr"/>
-              <a:lstStyle/>
-              <a:p>
-                <a:pPr algn="ctr"/>
-                <a:r>
-                  <a:rPr lang="en-FR" sz="1200" dirty="0">
-                    <a:solidFill>
-                      <a:sysClr val="windowText" lastClr="000000"/>
-                    </a:solidFill>
-                  </a:rPr>
-                  <a:t>Model</a:t>
-                </a:r>
-              </a:p>
-              <a:p>
-                <a:pPr algn="ctr"/>
-                <a:r>
-                  <a:rPr lang="en-FR" sz="1200" dirty="0">
-                    <a:solidFill>
-                      <a:sysClr val="windowText" lastClr="000000"/>
-                    </a:solidFill>
-                  </a:rPr>
-                  <a:t>(BS, OU, …)</a:t>
-                </a:r>
-              </a:p>
-            </p:txBody>
-          </p:sp>
-        </p:grpSp>
-        <p:cxnSp>
-          <p:nvCxnSpPr>
-            <p:cNvPr id="60" name="Straight Arrow Connector 59">
-              <a:extLst>
-                <a:ext uri="{FF2B5EF4-FFF2-40B4-BE49-F238E27FC236}">
-                  <a16:creationId xmlns:a16="http://schemas.microsoft.com/office/drawing/2014/main" id="{4A9F7AF2-E028-20F4-FA3D-E5A51541A10F}"/>
-                </a:ext>
-              </a:extLst>
-            </p:cNvPr>
-            <p:cNvCxnSpPr>
-              <a:cxnSpLocks/>
-              <a:stCxn id="63" idx="1"/>
-            </p:cNvCxnSpPr>
-            <p:nvPr/>
-          </p:nvCxnSpPr>
-          <p:spPr>
-            <a:xfrm flipH="1">
-              <a:off x="5138855" y="5893736"/>
-              <a:ext cx="2621556" cy="0"/>
-            </a:xfrm>
-            <a:prstGeom prst="straightConnector1">
-              <a:avLst/>
-            </a:prstGeom>
-            <a:ln w="12700">
-              <a:solidFill>
-                <a:schemeClr val="accent5">
-                  <a:lumMod val="75000"/>
-                </a:schemeClr>
-              </a:solidFill>
-              <a:headEnd type="triangle"/>
-              <a:tailEnd type="triangle"/>
-            </a:ln>
-          </p:spPr>
-          <p:style>
-            <a:lnRef idx="1">
-              <a:schemeClr val="accent1"/>
-            </a:lnRef>
-            <a:fillRef idx="0">
-              <a:schemeClr val="accent1"/>
-            </a:fillRef>
-            <a:effectRef idx="0">
-              <a:schemeClr val="accent1"/>
-            </a:effectRef>
-            <a:fontRef idx="minor">
-              <a:schemeClr val="tx1"/>
-            </a:fontRef>
-          </p:style>
-        </p:cxnSp>
-      </p:grpSp>
-      <p:grpSp>
-        <p:nvGrpSpPr>
-          <p:cNvPr id="36" name="Group 35">
-            <a:extLst>
-              <a:ext uri="{FF2B5EF4-FFF2-40B4-BE49-F238E27FC236}">
-                <a16:creationId xmlns:a16="http://schemas.microsoft.com/office/drawing/2014/main" id="{8A1CCB68-A413-6EE6-9768-DDDAC6684CED}"/>
-              </a:ext>
-            </a:extLst>
-          </p:cNvPr>
-          <p:cNvGrpSpPr/>
-          <p:nvPr/>
-        </p:nvGrpSpPr>
-        <p:grpSpPr>
-          <a:xfrm>
-            <a:off x="27446402" y="10397669"/>
-            <a:ext cx="2407182" cy="750196"/>
-            <a:chOff x="5138855" y="5629623"/>
-            <a:chExt cx="2407182" cy="750196"/>
-          </a:xfrm>
-        </p:grpSpPr>
-        <p:grpSp>
-          <p:nvGrpSpPr>
-            <p:cNvPr id="54" name="Group 53">
-              <a:extLst>
-                <a:ext uri="{FF2B5EF4-FFF2-40B4-BE49-F238E27FC236}">
-                  <a16:creationId xmlns:a16="http://schemas.microsoft.com/office/drawing/2014/main" id="{19A4309A-AC32-D4B0-A244-D9169BE2B237}"/>
-                </a:ext>
-              </a:extLst>
-            </p:cNvPr>
-            <p:cNvGrpSpPr/>
-            <p:nvPr/>
-          </p:nvGrpSpPr>
-          <p:grpSpPr>
-            <a:xfrm>
-              <a:off x="5828559" y="5629623"/>
-              <a:ext cx="1717478" cy="750196"/>
-              <a:chOff x="6875722" y="4217804"/>
-              <a:chExt cx="1717478" cy="750196"/>
-            </a:xfrm>
-          </p:grpSpPr>
-          <p:sp>
-            <p:nvSpPr>
-              <p:cNvPr id="56" name="Rectangle 55">
-                <a:extLst>
-                  <a:ext uri="{FF2B5EF4-FFF2-40B4-BE49-F238E27FC236}">
-                    <a16:creationId xmlns:a16="http://schemas.microsoft.com/office/drawing/2014/main" id="{450CA293-5223-4B18-4DC5-F6BAD9F8A7F9}"/>
-                  </a:ext>
-                </a:extLst>
-              </p:cNvPr>
-              <p:cNvSpPr>
-                <a:spLocks/>
-              </p:cNvSpPr>
-              <p:nvPr/>
-            </p:nvSpPr>
-            <p:spPr>
-              <a:xfrm>
-                <a:off x="7092000" y="4428000"/>
-                <a:ext cx="1501200" cy="540000"/>
-              </a:xfrm>
-              <a:prstGeom prst="rect">
-                <a:avLst/>
-              </a:prstGeom>
-              <a:solidFill>
-                <a:schemeClr val="accent1">
-                  <a:lumMod val="60000"/>
-                  <a:lumOff val="40000"/>
-                </a:schemeClr>
-              </a:solidFill>
-              <a:ln>
-                <a:solidFill>
-                  <a:srgbClr val="002060"/>
-                </a:solidFill>
-              </a:ln>
-            </p:spPr>
-            <p:style>
-              <a:lnRef idx="2">
-                <a:schemeClr val="accent1">
-                  <a:shade val="15000"/>
-                </a:schemeClr>
-              </a:lnRef>
-              <a:fillRef idx="1">
-                <a:schemeClr val="accent1"/>
-              </a:fillRef>
-              <a:effectRef idx="0">
-                <a:schemeClr val="accent1"/>
-              </a:effectRef>
-              <a:fontRef idx="minor">
-                <a:schemeClr val="lt1"/>
-              </a:fontRef>
-            </p:style>
-            <p:txBody>
-              <a:bodyPr rtlCol="0" anchor="ctr"/>
-              <a:lstStyle/>
-              <a:p>
-                <a:pPr algn="ctr"/>
-                <a:endParaRPr lang="en-FR" sz="1200" dirty="0">
-                  <a:solidFill>
-                    <a:sysClr val="windowText" lastClr="000000"/>
-                  </a:solidFill>
-                </a:endParaRPr>
-              </a:p>
-            </p:txBody>
-          </p:sp>
-          <p:sp>
-            <p:nvSpPr>
-              <p:cNvPr id="57" name="Rectangle 56">
-                <a:extLst>
-                  <a:ext uri="{FF2B5EF4-FFF2-40B4-BE49-F238E27FC236}">
-                    <a16:creationId xmlns:a16="http://schemas.microsoft.com/office/drawing/2014/main" id="{152E78C6-3DB9-1B89-D54D-BCBAB24A5464}"/>
-                  </a:ext>
-                </a:extLst>
-              </p:cNvPr>
-              <p:cNvSpPr>
-                <a:spLocks/>
-              </p:cNvSpPr>
-              <p:nvPr/>
-            </p:nvSpPr>
-            <p:spPr>
-              <a:xfrm>
-                <a:off x="6984000" y="4320000"/>
-                <a:ext cx="1501200" cy="540000"/>
-              </a:xfrm>
-              <a:prstGeom prst="rect">
-                <a:avLst/>
-              </a:prstGeom>
-              <a:solidFill>
-                <a:schemeClr val="accent1">
-                  <a:lumMod val="60000"/>
-                  <a:lumOff val="40000"/>
-                </a:schemeClr>
-              </a:solidFill>
-              <a:ln>
-                <a:solidFill>
-                  <a:srgbClr val="002060"/>
-                </a:solidFill>
-              </a:ln>
-            </p:spPr>
-            <p:style>
-              <a:lnRef idx="2">
-                <a:schemeClr val="accent1">
-                  <a:shade val="15000"/>
-                </a:schemeClr>
-              </a:lnRef>
-              <a:fillRef idx="1">
-                <a:schemeClr val="accent1"/>
-              </a:fillRef>
-              <a:effectRef idx="0">
-                <a:schemeClr val="accent1"/>
-              </a:effectRef>
-              <a:fontRef idx="minor">
-                <a:schemeClr val="lt1"/>
-              </a:fontRef>
-            </p:style>
-            <p:txBody>
-              <a:bodyPr rtlCol="0" anchor="ctr"/>
-              <a:lstStyle/>
-              <a:p>
-                <a:pPr algn="ctr"/>
-                <a:endParaRPr lang="en-FR" sz="1200" dirty="0">
-                  <a:solidFill>
-                    <a:sysClr val="windowText" lastClr="000000"/>
-                  </a:solidFill>
-                </a:endParaRPr>
-              </a:p>
-            </p:txBody>
-          </p:sp>
-          <p:sp>
-            <p:nvSpPr>
-              <p:cNvPr id="58" name="Rectangle 57">
-                <a:extLst>
-                  <a:ext uri="{FF2B5EF4-FFF2-40B4-BE49-F238E27FC236}">
-                    <a16:creationId xmlns:a16="http://schemas.microsoft.com/office/drawing/2014/main" id="{F091F798-8C4C-0120-4AE4-D323498ED9B1}"/>
-                  </a:ext>
-                </a:extLst>
-              </p:cNvPr>
-              <p:cNvSpPr>
-                <a:spLocks/>
-              </p:cNvSpPr>
-              <p:nvPr/>
-            </p:nvSpPr>
-            <p:spPr>
-              <a:xfrm>
-                <a:off x="6875722" y="4217804"/>
-                <a:ext cx="1501200" cy="540000"/>
-              </a:xfrm>
-              <a:prstGeom prst="rect">
-                <a:avLst/>
-              </a:prstGeom>
-              <a:solidFill>
-                <a:schemeClr val="accent1">
-                  <a:lumMod val="60000"/>
-                  <a:lumOff val="40000"/>
-                </a:schemeClr>
-              </a:solidFill>
-              <a:ln>
-                <a:solidFill>
-                  <a:srgbClr val="002060"/>
-                </a:solidFill>
-              </a:ln>
-            </p:spPr>
-            <p:style>
-              <a:lnRef idx="2">
-                <a:schemeClr val="accent1">
-                  <a:shade val="15000"/>
-                </a:schemeClr>
-              </a:lnRef>
-              <a:fillRef idx="1">
-                <a:schemeClr val="accent1"/>
-              </a:fillRef>
-              <a:effectRef idx="0">
-                <a:schemeClr val="accent1"/>
-              </a:effectRef>
-              <a:fontRef idx="minor">
-                <a:schemeClr val="lt1"/>
-              </a:fontRef>
-            </p:style>
-            <p:txBody>
-              <a:bodyPr rtlCol="0" anchor="ctr"/>
-              <a:lstStyle/>
-              <a:p>
-                <a:pPr algn="ctr"/>
-                <a:r>
-                  <a:rPr lang="en-FR" sz="1200" dirty="0">
-                    <a:solidFill>
-                      <a:sysClr val="windowText" lastClr="000000"/>
-                    </a:solidFill>
-                  </a:rPr>
-                  <a:t>CoreMath</a:t>
-                </a:r>
-              </a:p>
-              <a:p>
-                <a:pPr algn="ctr"/>
-                <a:r>
-                  <a:rPr lang="en-FR" sz="1200" dirty="0">
-                    <a:solidFill>
-                      <a:sysClr val="windowText" lastClr="000000"/>
-                    </a:solidFill>
-                  </a:rPr>
-                  <a:t>(LinReg, Z-stat, …)</a:t>
-                </a:r>
-              </a:p>
-            </p:txBody>
-          </p:sp>
-        </p:grpSp>
-        <p:cxnSp>
-          <p:nvCxnSpPr>
-            <p:cNvPr id="55" name="Straight Arrow Connector 54">
-              <a:extLst>
-                <a:ext uri="{FF2B5EF4-FFF2-40B4-BE49-F238E27FC236}">
-                  <a16:creationId xmlns:a16="http://schemas.microsoft.com/office/drawing/2014/main" id="{78E59E75-5B29-D558-B407-7DFA444721E0}"/>
-                </a:ext>
-              </a:extLst>
-            </p:cNvPr>
-            <p:cNvCxnSpPr>
-              <a:cxnSpLocks/>
-              <a:stCxn id="58" idx="1"/>
-            </p:cNvCxnSpPr>
-            <p:nvPr/>
-          </p:nvCxnSpPr>
-          <p:spPr>
-            <a:xfrm flipH="1">
-              <a:off x="5138855" y="5899623"/>
-              <a:ext cx="689704" cy="0"/>
-            </a:xfrm>
-            <a:prstGeom prst="straightConnector1">
-              <a:avLst/>
-            </a:prstGeom>
-            <a:ln w="12700">
-              <a:solidFill>
-                <a:schemeClr val="accent5">
-                  <a:lumMod val="75000"/>
-                </a:schemeClr>
-              </a:solidFill>
-              <a:headEnd type="triangle"/>
-              <a:tailEnd type="triangle"/>
-            </a:ln>
-          </p:spPr>
-          <p:style>
-            <a:lnRef idx="1">
-              <a:schemeClr val="accent1"/>
-            </a:lnRef>
-            <a:fillRef idx="0">
-              <a:schemeClr val="accent1"/>
-            </a:fillRef>
-            <a:effectRef idx="0">
-              <a:schemeClr val="accent1"/>
-            </a:effectRef>
-            <a:fontRef idx="minor">
-              <a:schemeClr val="tx1"/>
-            </a:fontRef>
-          </p:style>
-        </p:cxnSp>
-      </p:grpSp>
-      <p:grpSp>
-        <p:nvGrpSpPr>
-          <p:cNvPr id="37" name="Group 36">
-            <a:extLst>
-              <a:ext uri="{FF2B5EF4-FFF2-40B4-BE49-F238E27FC236}">
-                <a16:creationId xmlns:a16="http://schemas.microsoft.com/office/drawing/2014/main" id="{60859742-22EB-7DBC-A7D0-14231B703A04}"/>
-              </a:ext>
-            </a:extLst>
-          </p:cNvPr>
-          <p:cNvGrpSpPr/>
-          <p:nvPr/>
-        </p:nvGrpSpPr>
-        <p:grpSpPr>
-          <a:xfrm>
-            <a:off x="27446402" y="9961177"/>
-            <a:ext cx="4339034" cy="750196"/>
-            <a:chOff x="5138855" y="5623736"/>
-            <a:chExt cx="4339034" cy="750196"/>
-          </a:xfrm>
-        </p:grpSpPr>
-        <p:grpSp>
-          <p:nvGrpSpPr>
-            <p:cNvPr id="49" name="Group 48">
-              <a:extLst>
-                <a:ext uri="{FF2B5EF4-FFF2-40B4-BE49-F238E27FC236}">
-                  <a16:creationId xmlns:a16="http://schemas.microsoft.com/office/drawing/2014/main" id="{DD6529DB-7AE8-4049-1F47-09A5CD8DF396}"/>
-                </a:ext>
-              </a:extLst>
-            </p:cNvPr>
-            <p:cNvGrpSpPr/>
-            <p:nvPr/>
-          </p:nvGrpSpPr>
-          <p:grpSpPr>
-            <a:xfrm>
-              <a:off x="7760411" y="5623736"/>
-              <a:ext cx="1717478" cy="750196"/>
-              <a:chOff x="8807574" y="4211917"/>
-              <a:chExt cx="1717478" cy="750196"/>
-            </a:xfrm>
-          </p:grpSpPr>
-          <p:sp>
-            <p:nvSpPr>
-              <p:cNvPr id="51" name="Rectangle 50">
-                <a:extLst>
-                  <a:ext uri="{FF2B5EF4-FFF2-40B4-BE49-F238E27FC236}">
-                    <a16:creationId xmlns:a16="http://schemas.microsoft.com/office/drawing/2014/main" id="{2270534E-5429-221D-7A6F-3CCA1B93380E}"/>
-                  </a:ext>
-                </a:extLst>
-              </p:cNvPr>
-              <p:cNvSpPr>
-                <a:spLocks/>
-              </p:cNvSpPr>
-              <p:nvPr/>
-            </p:nvSpPr>
-            <p:spPr>
-              <a:xfrm>
-                <a:off x="9023852" y="4422113"/>
-                <a:ext cx="1501200" cy="540000"/>
-              </a:xfrm>
-              <a:prstGeom prst="rect">
-                <a:avLst/>
-              </a:prstGeom>
-              <a:solidFill>
-                <a:schemeClr val="accent1">
-                  <a:lumMod val="60000"/>
-                  <a:lumOff val="40000"/>
-                </a:schemeClr>
-              </a:solidFill>
-              <a:ln>
-                <a:solidFill>
-                  <a:srgbClr val="002060"/>
-                </a:solidFill>
-              </a:ln>
-            </p:spPr>
-            <p:style>
-              <a:lnRef idx="2">
-                <a:schemeClr val="accent1">
-                  <a:shade val="15000"/>
-                </a:schemeClr>
-              </a:lnRef>
-              <a:fillRef idx="1">
-                <a:schemeClr val="accent1"/>
-              </a:fillRef>
-              <a:effectRef idx="0">
-                <a:schemeClr val="accent1"/>
-              </a:effectRef>
-              <a:fontRef idx="minor">
-                <a:schemeClr val="lt1"/>
-              </a:fontRef>
-            </p:style>
-            <p:txBody>
-              <a:bodyPr rtlCol="0" anchor="ctr"/>
-              <a:lstStyle/>
-              <a:p>
-                <a:pPr algn="ctr"/>
-                <a:endParaRPr lang="en-FR" sz="1200" dirty="0">
-                  <a:solidFill>
-                    <a:sysClr val="windowText" lastClr="000000"/>
-                  </a:solidFill>
-                </a:endParaRPr>
-              </a:p>
-            </p:txBody>
-          </p:sp>
-          <p:sp>
-            <p:nvSpPr>
-              <p:cNvPr id="52" name="Rectangle 51">
-                <a:extLst>
-                  <a:ext uri="{FF2B5EF4-FFF2-40B4-BE49-F238E27FC236}">
-                    <a16:creationId xmlns:a16="http://schemas.microsoft.com/office/drawing/2014/main" id="{EC71B971-AC65-6CD6-5061-B308846C4CA9}"/>
-                  </a:ext>
-                </a:extLst>
-              </p:cNvPr>
-              <p:cNvSpPr>
-                <a:spLocks/>
-              </p:cNvSpPr>
-              <p:nvPr/>
-            </p:nvSpPr>
-            <p:spPr>
-              <a:xfrm>
-                <a:off x="8915852" y="4314113"/>
-                <a:ext cx="1501200" cy="540000"/>
-              </a:xfrm>
-              <a:prstGeom prst="rect">
-                <a:avLst/>
-              </a:prstGeom>
-              <a:solidFill>
-                <a:schemeClr val="accent1">
-                  <a:lumMod val="60000"/>
-                  <a:lumOff val="40000"/>
-                </a:schemeClr>
-              </a:solidFill>
-              <a:ln>
-                <a:solidFill>
-                  <a:srgbClr val="002060"/>
-                </a:solidFill>
-              </a:ln>
-            </p:spPr>
-            <p:style>
-              <a:lnRef idx="2">
-                <a:schemeClr val="accent1">
-                  <a:shade val="15000"/>
-                </a:schemeClr>
-              </a:lnRef>
-              <a:fillRef idx="1">
-                <a:schemeClr val="accent1"/>
-              </a:fillRef>
-              <a:effectRef idx="0">
-                <a:schemeClr val="accent1"/>
-              </a:effectRef>
-              <a:fontRef idx="minor">
-                <a:schemeClr val="lt1"/>
-              </a:fontRef>
-            </p:style>
-            <p:txBody>
-              <a:bodyPr rtlCol="0" anchor="ctr"/>
-              <a:lstStyle/>
-              <a:p>
-                <a:pPr algn="ctr"/>
-                <a:endParaRPr lang="en-FR" sz="1200" dirty="0">
-                  <a:solidFill>
-                    <a:sysClr val="windowText" lastClr="000000"/>
-                  </a:solidFill>
-                </a:endParaRPr>
-              </a:p>
-            </p:txBody>
-          </p:sp>
-          <p:sp>
-            <p:nvSpPr>
-              <p:cNvPr id="53" name="Rectangle 52">
-                <a:extLst>
-                  <a:ext uri="{FF2B5EF4-FFF2-40B4-BE49-F238E27FC236}">
-                    <a16:creationId xmlns:a16="http://schemas.microsoft.com/office/drawing/2014/main" id="{E1A4F7CB-D2F2-98BA-A32D-3F8AE9CB5103}"/>
-                  </a:ext>
-                </a:extLst>
-              </p:cNvPr>
-              <p:cNvSpPr>
-                <a:spLocks/>
-              </p:cNvSpPr>
-              <p:nvPr/>
-            </p:nvSpPr>
-            <p:spPr>
-              <a:xfrm>
-                <a:off x="8807574" y="4211917"/>
-                <a:ext cx="1501200" cy="540000"/>
-              </a:xfrm>
-              <a:prstGeom prst="rect">
-                <a:avLst/>
-              </a:prstGeom>
-              <a:solidFill>
-                <a:schemeClr val="accent1">
-                  <a:lumMod val="60000"/>
-                  <a:lumOff val="40000"/>
-                </a:schemeClr>
-              </a:solidFill>
-              <a:ln>
-                <a:solidFill>
-                  <a:srgbClr val="002060"/>
-                </a:solidFill>
-              </a:ln>
-            </p:spPr>
-            <p:style>
-              <a:lnRef idx="2">
-                <a:schemeClr val="accent1">
-                  <a:shade val="15000"/>
-                </a:schemeClr>
-              </a:lnRef>
-              <a:fillRef idx="1">
-                <a:schemeClr val="accent1"/>
-              </a:fillRef>
-              <a:effectRef idx="0">
-                <a:schemeClr val="accent1"/>
-              </a:effectRef>
-              <a:fontRef idx="minor">
-                <a:schemeClr val="lt1"/>
-              </a:fontRef>
-            </p:style>
-            <p:txBody>
-              <a:bodyPr rtlCol="0" anchor="ctr"/>
-              <a:lstStyle/>
-              <a:p>
-                <a:pPr algn="ctr"/>
-                <a:r>
-                  <a:rPr lang="en-FR" sz="1200" dirty="0">
-                    <a:solidFill>
-                      <a:sysClr val="windowText" lastClr="000000"/>
-                    </a:solidFill>
-                  </a:rPr>
-                  <a:t>Data Handling</a:t>
-                </a:r>
-              </a:p>
-              <a:p>
-                <a:pPr algn="ctr"/>
-                <a:r>
-                  <a:rPr lang="en-FR" sz="1200" dirty="0">
-                    <a:solidFill>
-                      <a:sysClr val="windowText" lastClr="000000"/>
-                    </a:solidFill>
-                  </a:rPr>
-                  <a:t>(</a:t>
-                </a:r>
-                <a:r>
-                  <a:rPr lang="en-GB" sz="1200" dirty="0">
-                    <a:solidFill>
-                      <a:sysClr val="windowText" lastClr="000000"/>
-                    </a:solidFill>
-                  </a:rPr>
-                  <a:t>cleaning, orga. , …)</a:t>
-                </a:r>
-                <a:endParaRPr lang="en-FR" sz="1200" dirty="0">
-                  <a:solidFill>
-                    <a:sysClr val="windowText" lastClr="000000"/>
-                  </a:solidFill>
-                </a:endParaRPr>
-              </a:p>
-            </p:txBody>
-          </p:sp>
-        </p:grpSp>
-        <p:cxnSp>
-          <p:nvCxnSpPr>
-            <p:cNvPr id="50" name="Straight Arrow Connector 49">
-              <a:extLst>
-                <a:ext uri="{FF2B5EF4-FFF2-40B4-BE49-F238E27FC236}">
-                  <a16:creationId xmlns:a16="http://schemas.microsoft.com/office/drawing/2014/main" id="{22A34DD5-FE06-9B4C-2909-CD94AB12DA45}"/>
-                </a:ext>
-              </a:extLst>
-            </p:cNvPr>
-            <p:cNvCxnSpPr>
-              <a:cxnSpLocks/>
-              <a:stCxn id="53" idx="1"/>
-            </p:cNvCxnSpPr>
-            <p:nvPr/>
-          </p:nvCxnSpPr>
-          <p:spPr>
-            <a:xfrm flipH="1">
-              <a:off x="5138855" y="5893736"/>
-              <a:ext cx="2621556" cy="0"/>
-            </a:xfrm>
-            <a:prstGeom prst="straightConnector1">
-              <a:avLst/>
-            </a:prstGeom>
-            <a:ln w="12700">
-              <a:solidFill>
-                <a:schemeClr val="accent5">
-                  <a:lumMod val="75000"/>
-                </a:schemeClr>
-              </a:solidFill>
-              <a:headEnd type="triangle"/>
-              <a:tailEnd type="triangle"/>
-            </a:ln>
-          </p:spPr>
-          <p:style>
-            <a:lnRef idx="1">
-              <a:schemeClr val="accent1"/>
-            </a:lnRef>
-            <a:fillRef idx="0">
-              <a:schemeClr val="accent1"/>
-            </a:fillRef>
-            <a:effectRef idx="0">
-              <a:schemeClr val="accent1"/>
-            </a:effectRef>
-            <a:fontRef idx="minor">
-              <a:schemeClr val="tx1"/>
-            </a:fontRef>
-          </p:style>
-        </p:cxnSp>
-      </p:grpSp>
-      <p:grpSp>
-        <p:nvGrpSpPr>
-          <p:cNvPr id="38" name="Group 37">
-            <a:extLst>
-              <a:ext uri="{FF2B5EF4-FFF2-40B4-BE49-F238E27FC236}">
-                <a16:creationId xmlns:a16="http://schemas.microsoft.com/office/drawing/2014/main" id="{FD973293-F8DA-000B-DA2F-45001C37D5DE}"/>
-              </a:ext>
-            </a:extLst>
-          </p:cNvPr>
-          <p:cNvGrpSpPr/>
-          <p:nvPr/>
-        </p:nvGrpSpPr>
-        <p:grpSpPr>
-          <a:xfrm>
-            <a:off x="27446402" y="8264902"/>
-            <a:ext cx="2407182" cy="750196"/>
-            <a:chOff x="5138855" y="5629623"/>
-            <a:chExt cx="2407182" cy="750196"/>
-          </a:xfrm>
-        </p:grpSpPr>
-        <p:grpSp>
-          <p:nvGrpSpPr>
-            <p:cNvPr id="44" name="Group 43">
-              <a:extLst>
-                <a:ext uri="{FF2B5EF4-FFF2-40B4-BE49-F238E27FC236}">
-                  <a16:creationId xmlns:a16="http://schemas.microsoft.com/office/drawing/2014/main" id="{AF929C29-0AD4-6E6C-BE98-F2FA15B4B35C}"/>
-                </a:ext>
-              </a:extLst>
-            </p:cNvPr>
-            <p:cNvGrpSpPr/>
-            <p:nvPr/>
-          </p:nvGrpSpPr>
-          <p:grpSpPr>
-            <a:xfrm>
-              <a:off x="5828559" y="5629623"/>
-              <a:ext cx="1717478" cy="750196"/>
-              <a:chOff x="6875722" y="4217804"/>
-              <a:chExt cx="1717478" cy="750196"/>
-            </a:xfrm>
-          </p:grpSpPr>
-          <p:sp>
-            <p:nvSpPr>
-              <p:cNvPr id="46" name="Rectangle 45">
-                <a:extLst>
-                  <a:ext uri="{FF2B5EF4-FFF2-40B4-BE49-F238E27FC236}">
-                    <a16:creationId xmlns:a16="http://schemas.microsoft.com/office/drawing/2014/main" id="{77319827-5310-A09A-2F2F-00F54A030075}"/>
-                  </a:ext>
-                </a:extLst>
-              </p:cNvPr>
-              <p:cNvSpPr>
-                <a:spLocks/>
-              </p:cNvSpPr>
-              <p:nvPr/>
-            </p:nvSpPr>
-            <p:spPr>
-              <a:xfrm>
-                <a:off x="7092000" y="4428000"/>
-                <a:ext cx="1501200" cy="540000"/>
-              </a:xfrm>
-              <a:prstGeom prst="rect">
-                <a:avLst/>
-              </a:prstGeom>
-              <a:solidFill>
-                <a:schemeClr val="accent1">
-                  <a:lumMod val="60000"/>
-                  <a:lumOff val="40000"/>
-                </a:schemeClr>
-              </a:solidFill>
-              <a:ln>
-                <a:solidFill>
-                  <a:srgbClr val="002060"/>
-                </a:solidFill>
-              </a:ln>
-            </p:spPr>
-            <p:style>
-              <a:lnRef idx="2">
-                <a:schemeClr val="accent1">
-                  <a:shade val="15000"/>
-                </a:schemeClr>
-              </a:lnRef>
-              <a:fillRef idx="1">
-                <a:schemeClr val="accent1"/>
-              </a:fillRef>
-              <a:effectRef idx="0">
-                <a:schemeClr val="accent1"/>
-              </a:effectRef>
-              <a:fontRef idx="minor">
-                <a:schemeClr val="lt1"/>
-              </a:fontRef>
-            </p:style>
-            <p:txBody>
-              <a:bodyPr rtlCol="0" anchor="ctr"/>
-              <a:lstStyle/>
-              <a:p>
-                <a:pPr algn="ctr"/>
-                <a:endParaRPr lang="en-FR" sz="1200" dirty="0">
-                  <a:solidFill>
-                    <a:sysClr val="windowText" lastClr="000000"/>
-                  </a:solidFill>
-                </a:endParaRPr>
-              </a:p>
-            </p:txBody>
-          </p:sp>
-          <p:sp>
-            <p:nvSpPr>
-              <p:cNvPr id="47" name="Rectangle 46">
-                <a:extLst>
-                  <a:ext uri="{FF2B5EF4-FFF2-40B4-BE49-F238E27FC236}">
-                    <a16:creationId xmlns:a16="http://schemas.microsoft.com/office/drawing/2014/main" id="{D63E3D4B-3B80-F856-B878-77ADCF7E1D6B}"/>
-                  </a:ext>
-                </a:extLst>
-              </p:cNvPr>
-              <p:cNvSpPr>
-                <a:spLocks/>
-              </p:cNvSpPr>
-              <p:nvPr/>
-            </p:nvSpPr>
-            <p:spPr>
-              <a:xfrm>
-                <a:off x="6984000" y="4320000"/>
-                <a:ext cx="1501200" cy="540000"/>
-              </a:xfrm>
-              <a:prstGeom prst="rect">
-                <a:avLst/>
-              </a:prstGeom>
-              <a:solidFill>
-                <a:schemeClr val="accent1">
-                  <a:lumMod val="60000"/>
-                  <a:lumOff val="40000"/>
-                </a:schemeClr>
-              </a:solidFill>
-              <a:ln>
-                <a:solidFill>
-                  <a:srgbClr val="002060"/>
-                </a:solidFill>
-              </a:ln>
-            </p:spPr>
-            <p:style>
-              <a:lnRef idx="2">
-                <a:schemeClr val="accent1">
-                  <a:shade val="15000"/>
-                </a:schemeClr>
-              </a:lnRef>
-              <a:fillRef idx="1">
-                <a:schemeClr val="accent1"/>
-              </a:fillRef>
-              <a:effectRef idx="0">
-                <a:schemeClr val="accent1"/>
-              </a:effectRef>
-              <a:fontRef idx="minor">
-                <a:schemeClr val="lt1"/>
-              </a:fontRef>
-            </p:style>
-            <p:txBody>
-              <a:bodyPr rtlCol="0" anchor="ctr"/>
-              <a:lstStyle/>
-              <a:p>
-                <a:pPr algn="ctr"/>
-                <a:endParaRPr lang="en-FR" sz="1200" dirty="0">
-                  <a:solidFill>
-                    <a:sysClr val="windowText" lastClr="000000"/>
-                  </a:solidFill>
-                </a:endParaRPr>
-              </a:p>
-            </p:txBody>
-          </p:sp>
-          <p:sp>
-            <p:nvSpPr>
-              <p:cNvPr id="48" name="Rectangle 47">
-                <a:extLst>
-                  <a:ext uri="{FF2B5EF4-FFF2-40B4-BE49-F238E27FC236}">
-                    <a16:creationId xmlns:a16="http://schemas.microsoft.com/office/drawing/2014/main" id="{BA6060C4-6EAB-0300-ADF4-67D5A0436128}"/>
-                  </a:ext>
-                </a:extLst>
-              </p:cNvPr>
-              <p:cNvSpPr>
-                <a:spLocks/>
-              </p:cNvSpPr>
-              <p:nvPr/>
-            </p:nvSpPr>
-            <p:spPr>
-              <a:xfrm>
-                <a:off x="6875722" y="4217804"/>
-                <a:ext cx="1501200" cy="540000"/>
-              </a:xfrm>
-              <a:prstGeom prst="rect">
-                <a:avLst/>
-              </a:prstGeom>
-              <a:solidFill>
-                <a:schemeClr val="accent1">
-                  <a:lumMod val="60000"/>
-                  <a:lumOff val="40000"/>
-                </a:schemeClr>
-              </a:solidFill>
-              <a:ln>
-                <a:solidFill>
-                  <a:srgbClr val="002060"/>
-                </a:solidFill>
-              </a:ln>
-            </p:spPr>
-            <p:style>
-              <a:lnRef idx="2">
-                <a:schemeClr val="accent1">
-                  <a:shade val="15000"/>
-                </a:schemeClr>
-              </a:lnRef>
-              <a:fillRef idx="1">
-                <a:schemeClr val="accent1"/>
-              </a:fillRef>
-              <a:effectRef idx="0">
-                <a:schemeClr val="accent1"/>
-              </a:effectRef>
-              <a:fontRef idx="minor">
-                <a:schemeClr val="lt1"/>
-              </a:fontRef>
-            </p:style>
-            <p:txBody>
-              <a:bodyPr rtlCol="0" anchor="ctr"/>
-              <a:lstStyle/>
-              <a:p>
-                <a:pPr algn="ctr"/>
-                <a:r>
-                  <a:rPr lang="en-FR" sz="1200" dirty="0">
-                    <a:solidFill>
-                      <a:sysClr val="windowText" lastClr="000000"/>
-                    </a:solidFill>
-                  </a:rPr>
-                  <a:t>Backtesing &amp; Simulations</a:t>
-                </a:r>
-              </a:p>
-            </p:txBody>
-          </p:sp>
-        </p:grpSp>
-        <p:cxnSp>
-          <p:nvCxnSpPr>
-            <p:cNvPr id="45" name="Straight Arrow Connector 44">
-              <a:extLst>
-                <a:ext uri="{FF2B5EF4-FFF2-40B4-BE49-F238E27FC236}">
-                  <a16:creationId xmlns:a16="http://schemas.microsoft.com/office/drawing/2014/main" id="{FF45A6B8-23A0-BA52-BF58-244C162CFF21}"/>
-                </a:ext>
-              </a:extLst>
-            </p:cNvPr>
-            <p:cNvCxnSpPr>
-              <a:cxnSpLocks/>
-              <a:stCxn id="48" idx="1"/>
-            </p:cNvCxnSpPr>
-            <p:nvPr/>
-          </p:nvCxnSpPr>
-          <p:spPr>
-            <a:xfrm flipH="1">
-              <a:off x="5138855" y="5899623"/>
-              <a:ext cx="689704" cy="0"/>
-            </a:xfrm>
-            <a:prstGeom prst="straightConnector1">
-              <a:avLst/>
-            </a:prstGeom>
-            <a:ln w="12700">
-              <a:solidFill>
-                <a:schemeClr val="accent5">
-                  <a:lumMod val="75000"/>
-                </a:schemeClr>
-              </a:solidFill>
-              <a:headEnd type="triangle"/>
-              <a:tailEnd type="triangle"/>
-            </a:ln>
-          </p:spPr>
-          <p:style>
-            <a:lnRef idx="1">
-              <a:schemeClr val="accent1"/>
-            </a:lnRef>
-            <a:fillRef idx="0">
-              <a:schemeClr val="accent1"/>
-            </a:fillRef>
-            <a:effectRef idx="0">
-              <a:schemeClr val="accent1"/>
-            </a:effectRef>
-            <a:fontRef idx="minor">
-              <a:schemeClr val="tx1"/>
-            </a:fontRef>
-          </p:style>
-        </p:cxnSp>
-      </p:grpSp>
-      <p:sp>
-        <p:nvSpPr>
           <p:cNvPr id="3" name="Rectangle 2">
             <a:extLst>
               <a:ext uri="{FF2B5EF4-FFF2-40B4-BE49-F238E27FC236}">
@@ -4942,7 +3570,7 @@
                   <a:sysClr val="windowText" lastClr="000000"/>
                 </a:solidFill>
               </a:rPr>
-              <a:t>Issuer                string Issuing_date string      Price double          </a:t>
+              <a:t>Issuer                string Issuing_date      string      Price      double          </a:t>
             </a:r>
             <a:r>
               <a:rPr lang="en-FR" dirty="0">
@@ -5036,7 +3664,7 @@
         <p:spPr>
           <a:xfrm>
             <a:off x="12960000" y="3599999"/>
-            <a:ext cx="10800000" cy="5400000"/>
+            <a:ext cx="6840000" cy="7560000"/>
           </a:xfrm>
           <a:prstGeom prst="rect">
             <a:avLst/>
@@ -5099,7 +3727,7 @@
         <p:spPr>
           <a:xfrm>
             <a:off x="13320000" y="4320000"/>
-            <a:ext cx="2880000" cy="3960000"/>
+            <a:ext cx="2880000" cy="3240000"/>
           </a:xfrm>
           <a:prstGeom prst="rect">
             <a:avLst/>
@@ -5162,7 +3790,7 @@
                   <a:sysClr val="windowText" lastClr="000000"/>
                 </a:solidFill>
               </a:rPr>
-              <a:t>Ticker                string Prices vector&lt;double&gt; Dates vector&lt;string&gt; Volumes vector&lt;int&gt;      LastPrice  double LastDate         string RSI(14)          double MACD vector&lt;double&gt; </a:t>
+              <a:t>Ticker                    string Prices     vector&lt;double&gt; Dates vector&lt;string&gt; Volumes vector&lt;int&gt;      LastPrice        double LastDate             string RSI(14)               double MACD      svector&lt;double&gt; </a:t>
             </a:r>
             <a:r>
               <a:rPr lang="en-FR" dirty="0">
@@ -5173,7 +3801,7 @@
                   </a:schemeClr>
                 </a:solidFill>
               </a:rPr>
-              <a:t>blbl</a:t>
+              <a:t>blblé”’</a:t>
             </a:r>
           </a:p>
         </p:txBody>
@@ -5192,7 +3820,7 @@
         </p:nvSpPr>
         <p:spPr>
           <a:xfrm>
-            <a:off x="16560000" y="4320000"/>
+            <a:off x="13320000" y="9000000"/>
             <a:ext cx="2880000" cy="1800000"/>
           </a:xfrm>
           <a:prstGeom prst="rect">
@@ -5278,106 +3906,6 @@
       </p:sp>
       <p:sp>
         <p:nvSpPr>
-          <p:cNvPr id="102" name="Rectangle 101">
-            <a:extLst>
-              <a:ext uri="{FF2B5EF4-FFF2-40B4-BE49-F238E27FC236}">
-                <a16:creationId xmlns:a16="http://schemas.microsoft.com/office/drawing/2014/main" id="{AF71CA18-DAA5-7CE4-8665-2ED89728025A}"/>
-              </a:ext>
-            </a:extLst>
-          </p:cNvPr>
-          <p:cNvSpPr/>
-          <p:nvPr/>
-        </p:nvSpPr>
-        <p:spPr>
-          <a:xfrm>
-            <a:off x="8640000" y="6840000"/>
-            <a:ext cx="2880000" cy="3600000"/>
-          </a:xfrm>
-          <a:prstGeom prst="rect">
-            <a:avLst/>
-          </a:prstGeom>
-          <a:solidFill>
-            <a:schemeClr val="accent1">
-              <a:lumMod val="20000"/>
-              <a:lumOff val="80000"/>
-            </a:schemeClr>
-          </a:solidFill>
-          <a:ln w="19050">
-            <a:solidFill>
-              <a:schemeClr val="tx1"/>
-            </a:solidFill>
-            <a:prstDash val="lgDash"/>
-          </a:ln>
-        </p:spPr>
-        <p:style>
-          <a:lnRef idx="2">
-            <a:schemeClr val="accent1">
-              <a:shade val="15000"/>
-            </a:schemeClr>
-          </a:lnRef>
-          <a:fillRef idx="1">
-            <a:schemeClr val="accent1"/>
-          </a:fillRef>
-          <a:effectRef idx="0">
-            <a:schemeClr val="accent1"/>
-          </a:effectRef>
-          <a:fontRef idx="minor">
-            <a:schemeClr val="lt1"/>
-          </a:fontRef>
-        </p:style>
-        <p:txBody>
-          <a:bodyPr lIns="90000" numCol="1" rtlCol="0" anchor="t"/>
-          <a:lstStyle/>
-          <a:p>
-            <a:pPr algn="ctr"/>
-            <a:r>
-              <a:rPr lang="en-GB" b="1" dirty="0" err="1">
-                <a:solidFill>
-                  <a:sysClr val="windowText" lastClr="000000"/>
-                </a:solidFill>
-              </a:rPr>
-              <a:t>getStockOption.py</a:t>
-            </a:r>
-            <a:endParaRPr lang="en-FR" b="1" dirty="0">
-              <a:solidFill>
-                <a:sysClr val="windowText" lastClr="000000"/>
-              </a:solidFill>
-            </a:endParaRPr>
-          </a:p>
-          <a:p>
-            <a:pPr algn="just"/>
-            <a:endParaRPr lang="en-FR" dirty="0">
-              <a:solidFill>
-                <a:sysClr val="windowText" lastClr="000000"/>
-              </a:solidFill>
-            </a:endParaRPr>
-          </a:p>
-          <a:p>
-            <a:pPr algn="just"/>
-            <a:r>
-              <a:rPr lang="en-FR" dirty="0">
-                <a:solidFill>
-                  <a:sysClr val="windowText" lastClr="000000"/>
-                </a:solidFill>
-              </a:rPr>
-              <a:t>Ticker                string Prices vector&lt;double&gt; Dates vector&lt;string&gt; Volumes vector&lt;int&gt;      LastPrice  double LastDate         string RSI(14)          double MACD vector&lt;double&gt; </a:t>
-            </a:r>
-            <a:r>
-              <a:rPr lang="en-FR" dirty="0">
-                <a:solidFill>
-                  <a:schemeClr val="accent1">
-                    <a:lumMod val="60000"/>
-                    <a:lumOff val="40000"/>
-                  </a:schemeClr>
-                </a:solidFill>
-              </a:rPr>
-              <a:t>blbl</a:t>
-            </a:r>
-          </a:p>
-        </p:txBody>
-      </p:sp>
-      <p:sp>
-        <p:nvSpPr>
           <p:cNvPr id="103" name="Rectangle 102">
             <a:extLst>
               <a:ext uri="{FF2B5EF4-FFF2-40B4-BE49-F238E27FC236}">
@@ -5477,7 +4005,7 @@
                   <a:sysClr val="windowText" lastClr="000000"/>
                 </a:solidFill>
               </a:rPr>
-              <a:t>YTD(int ticker):       </a:t>
+              <a:t>YTD(int Ticker):       </a:t>
             </a:r>
             <a:r>
               <a:rPr lang="en-FR" b="1" dirty="0">
@@ -5570,7 +4098,7 @@
         </p:nvCxnSpPr>
         <p:spPr>
           <a:xfrm>
-            <a:off x="6840000" y="5364000"/>
+            <a:off x="6840000" y="5328000"/>
             <a:ext cx="1800000" cy="0"/>
           </a:xfrm>
           <a:prstGeom prst="straightConnector1">
@@ -5614,7 +4142,7 @@
         </p:nvCxnSpPr>
         <p:spPr>
           <a:xfrm>
-            <a:off x="11463298" y="6497578"/>
+            <a:off x="11520000" y="5328000"/>
             <a:ext cx="1770128" cy="0"/>
           </a:xfrm>
           <a:prstGeom prst="straightConnector1">
@@ -5754,7 +4282,7 @@
         </p:nvSpPr>
         <p:spPr>
           <a:xfrm>
-            <a:off x="19800000" y="4320000"/>
+            <a:off x="16560000" y="7560000"/>
             <a:ext cx="2880000" cy="1800000"/>
           </a:xfrm>
           <a:prstGeom prst="rect">
@@ -5838,6 +4366,1610 @@
           </a:p>
         </p:txBody>
       </p:sp>
+      <p:sp>
+        <p:nvSpPr>
+          <p:cNvPr id="2" name="Rectangle 1">
+            <a:extLst>
+              <a:ext uri="{FF2B5EF4-FFF2-40B4-BE49-F238E27FC236}">
+                <a16:creationId xmlns:a16="http://schemas.microsoft.com/office/drawing/2014/main" id="{D9DE9AE7-C7B1-CB1C-B098-93012F639595}"/>
+              </a:ext>
+            </a:extLst>
+          </p:cNvPr>
+          <p:cNvSpPr/>
+          <p:nvPr/>
+        </p:nvSpPr>
+        <p:spPr>
+          <a:xfrm>
+            <a:off x="8640000" y="6840000"/>
+            <a:ext cx="2880000" cy="1440000"/>
+          </a:xfrm>
+          <a:prstGeom prst="rect">
+            <a:avLst/>
+          </a:prstGeom>
+          <a:solidFill>
+            <a:schemeClr val="accent1">
+              <a:lumMod val="20000"/>
+              <a:lumOff val="80000"/>
+            </a:schemeClr>
+          </a:solidFill>
+          <a:ln w="19050">
+            <a:solidFill>
+              <a:schemeClr val="tx1"/>
+            </a:solidFill>
+            <a:prstDash val="lgDash"/>
+          </a:ln>
+        </p:spPr>
+        <p:style>
+          <a:lnRef idx="2">
+            <a:schemeClr val="accent1">
+              <a:shade val="15000"/>
+            </a:schemeClr>
+          </a:lnRef>
+          <a:fillRef idx="1">
+            <a:schemeClr val="accent1"/>
+          </a:fillRef>
+          <a:effectRef idx="0">
+            <a:schemeClr val="accent1"/>
+          </a:effectRef>
+          <a:fontRef idx="minor">
+            <a:schemeClr val="lt1"/>
+          </a:fontRef>
+        </p:style>
+        <p:txBody>
+          <a:bodyPr lIns="90000" numCol="1" rtlCol="0" anchor="t"/>
+          <a:lstStyle/>
+          <a:p>
+            <a:pPr algn="ctr"/>
+            <a:r>
+              <a:rPr lang="en-GB" b="1" dirty="0" err="1">
+                <a:solidFill>
+                  <a:sysClr val="windowText" lastClr="000000"/>
+                </a:solidFill>
+              </a:rPr>
+              <a:t>getStockOption.py</a:t>
+            </a:r>
+            <a:endParaRPr lang="en-FR" b="1" dirty="0">
+              <a:solidFill>
+                <a:sysClr val="windowText" lastClr="000000"/>
+              </a:solidFill>
+            </a:endParaRPr>
+          </a:p>
+          <a:p>
+            <a:endParaRPr lang="en-FR" dirty="0">
+              <a:solidFill>
+                <a:sysClr val="windowText" lastClr="000000"/>
+              </a:solidFill>
+            </a:endParaRPr>
+          </a:p>
+          <a:p>
+            <a:pPr marL="180975" indent="-174625"/>
+            <a:r>
+              <a:rPr lang="en-FR" b="1" dirty="0">
+                <a:solidFill>
+                  <a:sysClr val="windowText" lastClr="000000"/>
+                </a:solidFill>
+                <a:cs typeface="APPLE CHANCERY" panose="03020702040506060504" pitchFamily="66" charset="-79"/>
+              </a:rPr>
+              <a:t>def</a:t>
+            </a:r>
+            <a:r>
+              <a:rPr lang="en-FR" b="1" dirty="0">
+                <a:solidFill>
+                  <a:sysClr val="windowText" lastClr="000000"/>
+                </a:solidFill>
+                <a:cs typeface="Apple Chancery" panose="03020702040506060504" pitchFamily="66" charset="-79"/>
+              </a:rPr>
+              <a:t> </a:t>
+            </a:r>
+            <a:r>
+              <a:rPr lang="en-FR" dirty="0">
+                <a:solidFill>
+                  <a:sysClr val="windowText" lastClr="000000"/>
+                </a:solidFill>
+                <a:cs typeface="Apple Chancery" panose="03020702040506060504" pitchFamily="66" charset="-79"/>
+              </a:rPr>
+              <a:t>fetch_option</a:t>
+            </a:r>
+            <a:r>
+              <a:rPr lang="en-FR" dirty="0">
+                <a:solidFill>
+                  <a:sysClr val="windowText" lastClr="000000"/>
+                </a:solidFill>
+              </a:rPr>
+              <a:t>(int ticker):       </a:t>
+            </a:r>
+            <a:r>
+              <a:rPr lang="en-FR" b="1" dirty="0">
+                <a:solidFill>
+                  <a:sysClr val="windowText" lastClr="000000"/>
+                </a:solidFill>
+              </a:rPr>
+              <a:t>return </a:t>
+            </a:r>
+            <a:r>
+              <a:rPr lang="en-FR" dirty="0">
+                <a:solidFill>
+                  <a:sysClr val="windowText" lastClr="000000"/>
+                </a:solidFill>
+              </a:rPr>
+              <a:t>?</a:t>
+            </a:r>
+            <a:endParaRPr lang="en-FR" dirty="0">
+              <a:solidFill>
+                <a:schemeClr val="accent1">
+                  <a:lumMod val="60000"/>
+                  <a:lumOff val="40000"/>
+                </a:schemeClr>
+              </a:solidFill>
+            </a:endParaRPr>
+          </a:p>
+        </p:txBody>
+      </p:sp>
+      <p:sp>
+        <p:nvSpPr>
+          <p:cNvPr id="4" name="Rectangle 3">
+            <a:extLst>
+              <a:ext uri="{FF2B5EF4-FFF2-40B4-BE49-F238E27FC236}">
+                <a16:creationId xmlns:a16="http://schemas.microsoft.com/office/drawing/2014/main" id="{31A38EA2-1449-53B3-1914-26D3ED587B92}"/>
+              </a:ext>
+            </a:extLst>
+          </p:cNvPr>
+          <p:cNvSpPr/>
+          <p:nvPr/>
+        </p:nvSpPr>
+        <p:spPr>
+          <a:xfrm>
+            <a:off x="12960000" y="12240000"/>
+            <a:ext cx="6840000" cy="8640000"/>
+          </a:xfrm>
+          <a:prstGeom prst="rect">
+            <a:avLst/>
+          </a:prstGeom>
+          <a:solidFill>
+            <a:schemeClr val="accent5">
+              <a:lumMod val="20000"/>
+              <a:lumOff val="80000"/>
+            </a:schemeClr>
+          </a:solidFill>
+          <a:ln w="19050">
+            <a:solidFill>
+              <a:schemeClr val="tx1"/>
+            </a:solidFill>
+          </a:ln>
+        </p:spPr>
+        <p:style>
+          <a:lnRef idx="2">
+            <a:schemeClr val="accent1">
+              <a:shade val="15000"/>
+            </a:schemeClr>
+          </a:lnRef>
+          <a:fillRef idx="1">
+            <a:schemeClr val="accent1"/>
+          </a:fillRef>
+          <a:effectRef idx="0">
+            <a:schemeClr val="accent1"/>
+          </a:effectRef>
+          <a:fontRef idx="minor">
+            <a:schemeClr val="lt1"/>
+          </a:fontRef>
+        </p:style>
+        <p:txBody>
+          <a:bodyPr rtlCol="0" anchor="t"/>
+          <a:lstStyle/>
+          <a:p>
+            <a:r>
+              <a:rPr lang="en-FR" i="1" dirty="0">
+                <a:solidFill>
+                  <a:sysClr val="windowText" lastClr="000000"/>
+                </a:solidFill>
+              </a:rPr>
+              <a:t>Regressors</a:t>
+            </a:r>
+          </a:p>
+        </p:txBody>
+      </p:sp>
+      <p:sp>
+        <p:nvSpPr>
+          <p:cNvPr id="5" name="Rectangle 4">
+            <a:extLst>
+              <a:ext uri="{FF2B5EF4-FFF2-40B4-BE49-F238E27FC236}">
+                <a16:creationId xmlns:a16="http://schemas.microsoft.com/office/drawing/2014/main" id="{594813BA-FED2-33AF-BB6C-C4FAFDB4AEDA}"/>
+              </a:ext>
+            </a:extLst>
+          </p:cNvPr>
+          <p:cNvSpPr/>
+          <p:nvPr/>
+        </p:nvSpPr>
+        <p:spPr>
+          <a:xfrm>
+            <a:off x="13319998" y="12960000"/>
+            <a:ext cx="6119999" cy="3240000"/>
+          </a:xfrm>
+          <a:prstGeom prst="rect">
+            <a:avLst/>
+          </a:prstGeom>
+          <a:solidFill>
+            <a:schemeClr val="accent1">
+              <a:lumMod val="60000"/>
+              <a:lumOff val="40000"/>
+            </a:schemeClr>
+          </a:solidFill>
+          <a:ln w="19050">
+            <a:solidFill>
+              <a:schemeClr val="tx1"/>
+            </a:solidFill>
+          </a:ln>
+        </p:spPr>
+        <p:style>
+          <a:lnRef idx="2">
+            <a:schemeClr val="accent1">
+              <a:shade val="15000"/>
+            </a:schemeClr>
+          </a:lnRef>
+          <a:fillRef idx="1">
+            <a:schemeClr val="accent1"/>
+          </a:fillRef>
+          <a:effectRef idx="0">
+            <a:schemeClr val="accent1"/>
+          </a:effectRef>
+          <a:fontRef idx="minor">
+            <a:schemeClr val="lt1"/>
+          </a:fontRef>
+        </p:style>
+        <p:txBody>
+          <a:bodyPr lIns="90000" numCol="1" rtlCol="0" anchor="t"/>
+          <a:lstStyle/>
+          <a:p>
+            <a:pPr algn="ctr"/>
+            <a:r>
+              <a:rPr lang="en-FR" b="1" dirty="0">
+                <a:solidFill>
+                  <a:sysClr val="windowText" lastClr="000000"/>
+                </a:solidFill>
+              </a:rPr>
+              <a:t>Volatility.h</a:t>
+            </a:r>
+          </a:p>
+          <a:p>
+            <a:pPr marL="184150" indent="-184150"/>
+            <a:r>
+              <a:rPr lang="en-FR" b="1" dirty="0">
+                <a:solidFill>
+                  <a:sysClr val="windowText" lastClr="000000"/>
+                </a:solidFill>
+              </a:rPr>
+              <a:t>def </a:t>
+            </a:r>
+            <a:r>
+              <a:rPr lang="en-GB" dirty="0">
+                <a:solidFill>
+                  <a:sysClr val="windowText" lastClr="000000"/>
+                </a:solidFill>
+              </a:rPr>
+              <a:t>LogReturns</a:t>
+            </a:r>
+            <a:r>
+              <a:rPr lang="en-FR" dirty="0">
+                <a:solidFill>
+                  <a:sysClr val="windowText" lastClr="000000"/>
+                </a:solidFill>
+              </a:rPr>
+              <a:t>(Prices):</a:t>
+            </a:r>
+            <a:r>
+              <a:rPr lang="en-GB" dirty="0">
+                <a:solidFill>
+                  <a:sysClr val="windowText" lastClr="000000"/>
+                </a:solidFill>
+              </a:rPr>
+              <a:t>           </a:t>
+            </a:r>
+          </a:p>
+          <a:p>
+            <a:pPr marL="184150"/>
+            <a:r>
+              <a:rPr lang="en-GB" b="1" dirty="0">
+                <a:solidFill>
+                  <a:sysClr val="windowText" lastClr="000000"/>
+                </a:solidFill>
+              </a:rPr>
+              <a:t>return </a:t>
+            </a:r>
+            <a:r>
+              <a:rPr lang="en-GB" dirty="0">
+                <a:solidFill>
+                  <a:sysClr val="windowText" lastClr="000000"/>
+                </a:solidFill>
+              </a:rPr>
+              <a:t>returns</a:t>
+            </a:r>
+          </a:p>
+          <a:p>
+            <a:pPr marL="184150" indent="-184150"/>
+            <a:endParaRPr lang="en-GB" dirty="0">
+              <a:solidFill>
+                <a:sysClr val="windowText" lastClr="000000"/>
+              </a:solidFill>
+            </a:endParaRPr>
+          </a:p>
+          <a:p>
+            <a:pPr marL="184150" indent="-184150"/>
+            <a:endParaRPr lang="en-GB" dirty="0">
+              <a:solidFill>
+                <a:sysClr val="windowText" lastClr="000000"/>
+              </a:solidFill>
+            </a:endParaRPr>
+          </a:p>
+          <a:p>
+            <a:pPr marL="184150" indent="-184150"/>
+            <a:r>
+              <a:rPr lang="en-FR" b="1" dirty="0">
+                <a:solidFill>
+                  <a:sysClr val="windowText" lastClr="000000"/>
+                </a:solidFill>
+              </a:rPr>
+              <a:t>def </a:t>
+            </a:r>
+            <a:r>
+              <a:rPr lang="en-GB" dirty="0">
+                <a:solidFill>
+                  <a:sysClr val="windowText" lastClr="000000"/>
+                </a:solidFill>
+              </a:rPr>
+              <a:t>realisedVol</a:t>
+            </a:r>
+            <a:r>
+              <a:rPr lang="en-FR" dirty="0">
+                <a:solidFill>
+                  <a:sysClr val="windowText" lastClr="000000"/>
+                </a:solidFill>
+              </a:rPr>
+              <a:t>(returns, type: pop/samp):</a:t>
+            </a:r>
+            <a:endParaRPr lang="en-GB" dirty="0">
+              <a:solidFill>
+                <a:sysClr val="windowText" lastClr="000000"/>
+              </a:solidFill>
+            </a:endParaRPr>
+          </a:p>
+          <a:p>
+            <a:pPr marL="184150"/>
+            <a:r>
+              <a:rPr lang="en-GB" b="1" dirty="0">
+                <a:solidFill>
+                  <a:sysClr val="windowText" lastClr="000000"/>
+                </a:solidFill>
+              </a:rPr>
+              <a:t>return </a:t>
+            </a:r>
+            <a:r>
+              <a:rPr lang="en-GB" dirty="0">
+                <a:solidFill>
+                  <a:sysClr val="windowText" lastClr="000000"/>
+                </a:solidFill>
+              </a:rPr>
+              <a:t>Volatility</a:t>
+            </a:r>
+            <a:endParaRPr lang="en-FR" dirty="0">
+              <a:solidFill>
+                <a:sysClr val="windowText" lastClr="000000"/>
+              </a:solidFill>
+            </a:endParaRPr>
+          </a:p>
+          <a:p>
+            <a:pPr marL="184150" indent="-184150"/>
+            <a:endParaRPr lang="en-FR" dirty="0">
+              <a:solidFill>
+                <a:sysClr val="windowText" lastClr="000000"/>
+              </a:solidFill>
+            </a:endParaRPr>
+          </a:p>
+          <a:p>
+            <a:pPr marL="184150" indent="-184150"/>
+            <a:r>
+              <a:rPr lang="en-FR" b="1" dirty="0">
+                <a:solidFill>
+                  <a:sysClr val="windowText" lastClr="000000"/>
+                </a:solidFill>
+              </a:rPr>
+              <a:t>def </a:t>
+            </a:r>
+            <a:r>
+              <a:rPr lang="en-GB" dirty="0" err="1">
+                <a:solidFill>
+                  <a:sysClr val="windowText" lastClr="000000"/>
+                </a:solidFill>
+              </a:rPr>
+              <a:t>bootstrapStandardDeviation</a:t>
+            </a:r>
+            <a:r>
+              <a:rPr lang="en-FR" dirty="0">
+                <a:solidFill>
+                  <a:sysClr val="windowText" lastClr="000000"/>
+                </a:solidFill>
+              </a:rPr>
+              <a:t>(returns, nbr_Samp):</a:t>
+            </a:r>
+            <a:r>
+              <a:rPr lang="en-GB" dirty="0">
+                <a:solidFill>
+                  <a:sysClr val="windowText" lastClr="000000"/>
+                </a:solidFill>
+              </a:rPr>
+              <a:t>           </a:t>
+            </a:r>
+            <a:r>
+              <a:rPr lang="en-GB" b="1" dirty="0">
+                <a:solidFill>
+                  <a:sysClr val="windowText" lastClr="000000"/>
+                </a:solidFill>
+              </a:rPr>
+              <a:t>return </a:t>
+            </a:r>
+            <a:r>
+              <a:rPr lang="en-GB" dirty="0">
+                <a:solidFill>
+                  <a:sysClr val="windowText" lastClr="000000"/>
+                </a:solidFill>
+              </a:rPr>
+              <a:t>Volatility</a:t>
+            </a:r>
+            <a:endParaRPr lang="en-FR" dirty="0">
+              <a:solidFill>
+                <a:sysClr val="windowText" lastClr="000000"/>
+              </a:solidFill>
+            </a:endParaRPr>
+          </a:p>
+          <a:p>
+            <a:pPr marL="184150" indent="-184150"/>
+            <a:endParaRPr lang="en-FR" dirty="0">
+              <a:solidFill>
+                <a:sysClr val="windowText" lastClr="000000"/>
+              </a:solidFill>
+            </a:endParaRPr>
+          </a:p>
+        </p:txBody>
+      </p:sp>
+      <p:cxnSp>
+        <p:nvCxnSpPr>
+          <p:cNvPr id="20" name="Elbow Connector 19">
+            <a:extLst>
+              <a:ext uri="{FF2B5EF4-FFF2-40B4-BE49-F238E27FC236}">
+                <a16:creationId xmlns:a16="http://schemas.microsoft.com/office/drawing/2014/main" id="{08A3AE4A-161F-A74C-B9ED-953ECD95AA88}"/>
+              </a:ext>
+            </a:extLst>
+          </p:cNvPr>
+          <p:cNvCxnSpPr>
+            <a:cxnSpLocks/>
+          </p:cNvCxnSpPr>
+          <p:nvPr/>
+        </p:nvCxnSpPr>
+        <p:spPr>
+          <a:xfrm rot="10800000" flipV="1">
+            <a:off x="12600000" y="5328000"/>
+            <a:ext cx="3600000" cy="2900902"/>
+          </a:xfrm>
+          <a:prstGeom prst="bentConnector3">
+            <a:avLst>
+              <a:gd name="adj1" fmla="val -5033"/>
+            </a:avLst>
+          </a:prstGeom>
+          <a:ln w="12700">
+            <a:solidFill>
+              <a:schemeClr val="tx1"/>
+            </a:solidFill>
+          </a:ln>
+        </p:spPr>
+        <p:style>
+          <a:lnRef idx="1">
+            <a:schemeClr val="accent1"/>
+          </a:lnRef>
+          <a:fillRef idx="0">
+            <a:schemeClr val="accent1"/>
+          </a:fillRef>
+          <a:effectRef idx="0">
+            <a:schemeClr val="accent1"/>
+          </a:effectRef>
+          <a:fontRef idx="minor">
+            <a:schemeClr val="tx1"/>
+          </a:fontRef>
+        </p:style>
+      </p:cxnSp>
+      <p:cxnSp>
+        <p:nvCxnSpPr>
+          <p:cNvPr id="23" name="Elbow Connector 22">
+            <a:extLst>
+              <a:ext uri="{FF2B5EF4-FFF2-40B4-BE49-F238E27FC236}">
+                <a16:creationId xmlns:a16="http://schemas.microsoft.com/office/drawing/2014/main" id="{8D30F12F-D5B0-A6DA-444D-98752FD20FC5}"/>
+              </a:ext>
+            </a:extLst>
+          </p:cNvPr>
+          <p:cNvCxnSpPr>
+            <a:cxnSpLocks/>
+          </p:cNvCxnSpPr>
+          <p:nvPr/>
+        </p:nvCxnSpPr>
+        <p:spPr>
+          <a:xfrm rot="16200000" flipH="1">
+            <a:off x="10344391" y="10484513"/>
+            <a:ext cx="5201348" cy="690129"/>
+          </a:xfrm>
+          <a:prstGeom prst="bentConnector3">
+            <a:avLst>
+              <a:gd name="adj1" fmla="val 100025"/>
+            </a:avLst>
+          </a:prstGeom>
+          <a:ln w="12700">
+            <a:solidFill>
+              <a:schemeClr val="tx1"/>
+            </a:solidFill>
+            <a:tailEnd type="stealth" w="lg" len="lg"/>
+          </a:ln>
+        </p:spPr>
+        <p:style>
+          <a:lnRef idx="1">
+            <a:schemeClr val="accent1"/>
+          </a:lnRef>
+          <a:fillRef idx="0">
+            <a:schemeClr val="accent1"/>
+          </a:fillRef>
+          <a:effectRef idx="0">
+            <a:schemeClr val="accent1"/>
+          </a:effectRef>
+          <a:fontRef idx="minor">
+            <a:schemeClr val="tx1"/>
+          </a:fontRef>
+        </p:style>
+      </p:cxnSp>
+      <p:cxnSp>
+        <p:nvCxnSpPr>
+          <p:cNvPr id="32" name="Elbow Connector 31">
+            <a:extLst>
+              <a:ext uri="{FF2B5EF4-FFF2-40B4-BE49-F238E27FC236}">
+                <a16:creationId xmlns:a16="http://schemas.microsoft.com/office/drawing/2014/main" id="{192202B9-18A3-BB53-3C69-F33C1C083C83}"/>
+              </a:ext>
+            </a:extLst>
+          </p:cNvPr>
+          <p:cNvCxnSpPr>
+            <a:cxnSpLocks/>
+          </p:cNvCxnSpPr>
+          <p:nvPr/>
+        </p:nvCxnSpPr>
+        <p:spPr>
+          <a:xfrm rot="10800000" flipV="1">
+            <a:off x="12599999" y="13430252"/>
+            <a:ext cx="6839998" cy="692150"/>
+          </a:xfrm>
+          <a:prstGeom prst="bentConnector3">
+            <a:avLst>
+              <a:gd name="adj1" fmla="val -10310"/>
+            </a:avLst>
+          </a:prstGeom>
+          <a:ln w="12700">
+            <a:solidFill>
+              <a:schemeClr val="tx1"/>
+            </a:solidFill>
+          </a:ln>
+        </p:spPr>
+        <p:style>
+          <a:lnRef idx="1">
+            <a:schemeClr val="accent1"/>
+          </a:lnRef>
+          <a:fillRef idx="0">
+            <a:schemeClr val="accent1"/>
+          </a:fillRef>
+          <a:effectRef idx="0">
+            <a:schemeClr val="accent1"/>
+          </a:effectRef>
+          <a:fontRef idx="minor">
+            <a:schemeClr val="tx1"/>
+          </a:fontRef>
+        </p:style>
+      </p:cxnSp>
+      <p:cxnSp>
+        <p:nvCxnSpPr>
+          <p:cNvPr id="33" name="Elbow Connector 32">
+            <a:extLst>
+              <a:ext uri="{FF2B5EF4-FFF2-40B4-BE49-F238E27FC236}">
+                <a16:creationId xmlns:a16="http://schemas.microsoft.com/office/drawing/2014/main" id="{A1067526-FE4A-840C-1C16-891D042ABF37}"/>
+              </a:ext>
+            </a:extLst>
+          </p:cNvPr>
+          <p:cNvCxnSpPr>
+            <a:cxnSpLocks/>
+          </p:cNvCxnSpPr>
+          <p:nvPr/>
+        </p:nvCxnSpPr>
+        <p:spPr>
+          <a:xfrm>
+            <a:off x="12600000" y="14122403"/>
+            <a:ext cx="690130" cy="387852"/>
+          </a:xfrm>
+          <a:prstGeom prst="bentConnector3">
+            <a:avLst>
+              <a:gd name="adj1" fmla="val -140"/>
+            </a:avLst>
+          </a:prstGeom>
+          <a:ln w="12700">
+            <a:solidFill>
+              <a:schemeClr val="tx1"/>
+            </a:solidFill>
+            <a:tailEnd type="stealth" w="lg" len="lg"/>
+          </a:ln>
+        </p:spPr>
+        <p:style>
+          <a:lnRef idx="1">
+            <a:schemeClr val="accent1"/>
+          </a:lnRef>
+          <a:fillRef idx="0">
+            <a:schemeClr val="accent1"/>
+          </a:fillRef>
+          <a:effectRef idx="0">
+            <a:schemeClr val="accent1"/>
+          </a:effectRef>
+          <a:fontRef idx="minor">
+            <a:schemeClr val="tx1"/>
+          </a:fontRef>
+        </p:style>
+      </p:cxnSp>
+      <p:cxnSp>
+        <p:nvCxnSpPr>
+          <p:cNvPr id="66" name="Elbow Connector 65">
+            <a:extLst>
+              <a:ext uri="{FF2B5EF4-FFF2-40B4-BE49-F238E27FC236}">
+                <a16:creationId xmlns:a16="http://schemas.microsoft.com/office/drawing/2014/main" id="{C9C6A858-A393-0894-DB60-53D0DA50DC38}"/>
+              </a:ext>
+            </a:extLst>
+          </p:cNvPr>
+          <p:cNvCxnSpPr>
+            <a:cxnSpLocks/>
+          </p:cNvCxnSpPr>
+          <p:nvPr/>
+        </p:nvCxnSpPr>
+        <p:spPr>
+          <a:xfrm rot="16200000" flipH="1">
+            <a:off x="12521396" y="14588859"/>
+            <a:ext cx="853017" cy="695807"/>
+          </a:xfrm>
+          <a:prstGeom prst="bentConnector3">
+            <a:avLst>
+              <a:gd name="adj1" fmla="val 99846"/>
+            </a:avLst>
+          </a:prstGeom>
+          <a:ln w="12700">
+            <a:solidFill>
+              <a:schemeClr val="tx1"/>
+            </a:solidFill>
+            <a:tailEnd type="stealth" w="lg" len="lg"/>
+          </a:ln>
+        </p:spPr>
+        <p:style>
+          <a:lnRef idx="1">
+            <a:schemeClr val="accent1"/>
+          </a:lnRef>
+          <a:fillRef idx="0">
+            <a:schemeClr val="accent1"/>
+          </a:fillRef>
+          <a:effectRef idx="0">
+            <a:schemeClr val="accent1"/>
+          </a:effectRef>
+          <a:fontRef idx="minor">
+            <a:schemeClr val="tx1"/>
+          </a:fontRef>
+        </p:style>
+      </p:cxnSp>
+      <p:sp>
+        <p:nvSpPr>
+          <p:cNvPr id="73" name="Rectangle 72">
+            <a:extLst>
+              <a:ext uri="{FF2B5EF4-FFF2-40B4-BE49-F238E27FC236}">
+                <a16:creationId xmlns:a16="http://schemas.microsoft.com/office/drawing/2014/main" id="{19E4F34B-0041-2109-F218-AD096EDDEB80}"/>
+              </a:ext>
+            </a:extLst>
+          </p:cNvPr>
+          <p:cNvSpPr/>
+          <p:nvPr/>
+        </p:nvSpPr>
+        <p:spPr>
+          <a:xfrm>
+            <a:off x="13319999" y="16560000"/>
+            <a:ext cx="2880000" cy="1800000"/>
+          </a:xfrm>
+          <a:prstGeom prst="rect">
+            <a:avLst/>
+          </a:prstGeom>
+          <a:solidFill>
+            <a:schemeClr val="accent1">
+              <a:lumMod val="20000"/>
+              <a:lumOff val="80000"/>
+            </a:schemeClr>
+          </a:solidFill>
+          <a:ln w="19050">
+            <a:solidFill>
+              <a:schemeClr val="tx1"/>
+            </a:solidFill>
+            <a:prstDash val="lgDash"/>
+          </a:ln>
+        </p:spPr>
+        <p:style>
+          <a:lnRef idx="2">
+            <a:schemeClr val="accent1">
+              <a:shade val="15000"/>
+            </a:schemeClr>
+          </a:lnRef>
+          <a:fillRef idx="1">
+            <a:schemeClr val="accent1"/>
+          </a:fillRef>
+          <a:effectRef idx="0">
+            <a:schemeClr val="accent1"/>
+          </a:effectRef>
+          <a:fontRef idx="minor">
+            <a:schemeClr val="lt1"/>
+          </a:fontRef>
+        </p:style>
+        <p:txBody>
+          <a:bodyPr lIns="90000" numCol="1" rtlCol="0" anchor="t"/>
+          <a:lstStyle/>
+          <a:p>
+            <a:pPr algn="ctr"/>
+            <a:r>
+              <a:rPr lang="en-FR" b="1" dirty="0">
+                <a:solidFill>
+                  <a:sysClr val="windowText" lastClr="000000"/>
+                </a:solidFill>
+              </a:rPr>
+              <a:t>Derivative.h</a:t>
+            </a:r>
+          </a:p>
+          <a:p>
+            <a:pPr marL="184150" indent="-184150"/>
+            <a:endParaRPr lang="en-FR" dirty="0">
+              <a:solidFill>
+                <a:sysClr val="windowText" lastClr="000000"/>
+              </a:solidFill>
+            </a:endParaRPr>
+          </a:p>
+        </p:txBody>
+      </p:sp>
+      <p:sp>
+        <p:nvSpPr>
+          <p:cNvPr id="74" name="Rectangle 73">
+            <a:extLst>
+              <a:ext uri="{FF2B5EF4-FFF2-40B4-BE49-F238E27FC236}">
+                <a16:creationId xmlns:a16="http://schemas.microsoft.com/office/drawing/2014/main" id="{C118783B-1DF9-83FA-1AF2-1A060FDB217C}"/>
+              </a:ext>
+            </a:extLst>
+          </p:cNvPr>
+          <p:cNvSpPr/>
+          <p:nvPr/>
+        </p:nvSpPr>
+        <p:spPr>
+          <a:xfrm>
+            <a:off x="20880000" y="3600000"/>
+            <a:ext cx="7200000" cy="7560000"/>
+          </a:xfrm>
+          <a:prstGeom prst="rect">
+            <a:avLst/>
+          </a:prstGeom>
+          <a:solidFill>
+            <a:schemeClr val="accent5">
+              <a:lumMod val="20000"/>
+              <a:lumOff val="80000"/>
+            </a:schemeClr>
+          </a:solidFill>
+          <a:ln w="19050">
+            <a:solidFill>
+              <a:schemeClr val="tx1"/>
+            </a:solidFill>
+          </a:ln>
+        </p:spPr>
+        <p:style>
+          <a:lnRef idx="2">
+            <a:schemeClr val="accent1">
+              <a:shade val="15000"/>
+            </a:schemeClr>
+          </a:lnRef>
+          <a:fillRef idx="1">
+            <a:schemeClr val="accent1"/>
+          </a:fillRef>
+          <a:effectRef idx="0">
+            <a:schemeClr val="accent1"/>
+          </a:effectRef>
+          <a:fontRef idx="minor">
+            <a:schemeClr val="lt1"/>
+          </a:fontRef>
+        </p:style>
+        <p:txBody>
+          <a:bodyPr rtlCol="0" anchor="t"/>
+          <a:lstStyle/>
+          <a:p>
+            <a:r>
+              <a:rPr lang="en-FR" i="1" dirty="0">
+                <a:solidFill>
+                  <a:sysClr val="windowText" lastClr="000000"/>
+                </a:solidFill>
+              </a:rPr>
+              <a:t>Portfolio</a:t>
+            </a:r>
+          </a:p>
+        </p:txBody>
+      </p:sp>
+      <p:sp>
+        <p:nvSpPr>
+          <p:cNvPr id="75" name="Rectangle 74">
+            <a:extLst>
+              <a:ext uri="{FF2B5EF4-FFF2-40B4-BE49-F238E27FC236}">
+                <a16:creationId xmlns:a16="http://schemas.microsoft.com/office/drawing/2014/main" id="{EFBFAE69-5871-1BC8-4C2B-600B6FA1D062}"/>
+              </a:ext>
+            </a:extLst>
+          </p:cNvPr>
+          <p:cNvSpPr/>
+          <p:nvPr/>
+        </p:nvSpPr>
+        <p:spPr>
+          <a:xfrm>
+            <a:off x="21240000" y="4320000"/>
+            <a:ext cx="2880000" cy="3396982"/>
+          </a:xfrm>
+          <a:prstGeom prst="rect">
+            <a:avLst/>
+          </a:prstGeom>
+          <a:solidFill>
+            <a:schemeClr val="accent1">
+              <a:lumMod val="60000"/>
+              <a:lumOff val="40000"/>
+            </a:schemeClr>
+          </a:solidFill>
+          <a:ln w="19050">
+            <a:solidFill>
+              <a:schemeClr val="tx1"/>
+            </a:solidFill>
+          </a:ln>
+        </p:spPr>
+        <p:style>
+          <a:lnRef idx="2">
+            <a:schemeClr val="accent1">
+              <a:shade val="15000"/>
+            </a:schemeClr>
+          </a:lnRef>
+          <a:fillRef idx="1">
+            <a:schemeClr val="accent1"/>
+          </a:fillRef>
+          <a:effectRef idx="0">
+            <a:schemeClr val="accent1"/>
+          </a:effectRef>
+          <a:fontRef idx="minor">
+            <a:schemeClr val="lt1"/>
+          </a:fontRef>
+        </p:style>
+        <p:txBody>
+          <a:bodyPr lIns="90000" numCol="1" rtlCol="0" anchor="t"/>
+          <a:lstStyle/>
+          <a:p>
+            <a:pPr algn="ctr"/>
+            <a:r>
+              <a:rPr lang="en-FR" b="1" dirty="0">
+                <a:solidFill>
+                  <a:sysClr val="windowText" lastClr="000000"/>
+                </a:solidFill>
+              </a:rPr>
+              <a:t>StockPosition.h</a:t>
+            </a:r>
+          </a:p>
+          <a:p>
+            <a:pPr algn="just"/>
+            <a:endParaRPr lang="en-FR" dirty="0">
+              <a:solidFill>
+                <a:sysClr val="windowText" lastClr="000000"/>
+              </a:solidFill>
+            </a:endParaRPr>
+          </a:p>
+          <a:p>
+            <a:pPr marL="6350" algn="just">
+              <a:tabLst>
+                <a:tab pos="4124325" algn="l"/>
+              </a:tabLst>
+            </a:pPr>
+            <a:r>
+              <a:rPr lang="en-FR" dirty="0">
+                <a:solidFill>
+                  <a:sysClr val="windowText" lastClr="000000"/>
+                </a:solidFill>
+              </a:rPr>
+              <a:t>Ticker                string DateStart          string      PriceBrought double       PosVolume               int PosReturn         double PosLen             double   </a:t>
+            </a:r>
+            <a:r>
+              <a:rPr lang="en-FR" dirty="0">
+                <a:solidFill>
+                  <a:schemeClr val="accent1">
+                    <a:lumMod val="60000"/>
+                    <a:lumOff val="40000"/>
+                  </a:schemeClr>
+                </a:solidFill>
+              </a:rPr>
+              <a:t>bkablkab      blbl</a:t>
+            </a:r>
+          </a:p>
+          <a:p>
+            <a:pPr marL="6350" algn="just">
+              <a:tabLst>
+                <a:tab pos="4124325" algn="l"/>
+              </a:tabLst>
+            </a:pPr>
+            <a:r>
+              <a:rPr lang="en-FR" b="1" dirty="0">
+                <a:solidFill>
+                  <a:schemeClr val="tx1"/>
+                </a:solidFill>
+              </a:rPr>
+              <a:t>def </a:t>
+            </a:r>
+            <a:r>
+              <a:rPr lang="en-FR" dirty="0">
+                <a:solidFill>
+                  <a:schemeClr val="tx1"/>
+                </a:solidFill>
+              </a:rPr>
+              <a:t>checkPosition():</a:t>
+            </a:r>
+          </a:p>
+          <a:p>
+            <a:pPr marL="6350" indent="173038" algn="just">
+              <a:tabLst>
+                <a:tab pos="4124325" algn="l"/>
+              </a:tabLst>
+            </a:pPr>
+            <a:r>
+              <a:rPr lang="en-FR" b="1" dirty="0">
+                <a:solidFill>
+                  <a:schemeClr val="tx1"/>
+                </a:solidFill>
+              </a:rPr>
+              <a:t>return </a:t>
+            </a:r>
+            <a:r>
+              <a:rPr lang="en-FR" dirty="0">
+                <a:solidFill>
+                  <a:schemeClr val="tx1"/>
+                </a:solidFill>
+              </a:rPr>
+              <a:t>BUY/HOLD/SELL</a:t>
+            </a:r>
+          </a:p>
+        </p:txBody>
+      </p:sp>
+      <p:sp>
+        <p:nvSpPr>
+          <p:cNvPr id="76" name="Rectangle 75">
+            <a:extLst>
+              <a:ext uri="{FF2B5EF4-FFF2-40B4-BE49-F238E27FC236}">
+                <a16:creationId xmlns:a16="http://schemas.microsoft.com/office/drawing/2014/main" id="{D14D0988-9289-7D66-1E76-483A1886CC73}"/>
+              </a:ext>
+            </a:extLst>
+          </p:cNvPr>
+          <p:cNvSpPr/>
+          <p:nvPr/>
+        </p:nvSpPr>
+        <p:spPr>
+          <a:xfrm>
+            <a:off x="24480000" y="8640000"/>
+            <a:ext cx="3240000" cy="1080000"/>
+          </a:xfrm>
+          <a:prstGeom prst="rect">
+            <a:avLst/>
+          </a:prstGeom>
+          <a:solidFill>
+            <a:schemeClr val="accent1">
+              <a:lumMod val="60000"/>
+              <a:lumOff val="40000"/>
+            </a:schemeClr>
+          </a:solidFill>
+          <a:ln w="19050">
+            <a:solidFill>
+              <a:schemeClr val="tx1"/>
+            </a:solidFill>
+          </a:ln>
+        </p:spPr>
+        <p:style>
+          <a:lnRef idx="2">
+            <a:schemeClr val="accent1">
+              <a:shade val="15000"/>
+            </a:schemeClr>
+          </a:lnRef>
+          <a:fillRef idx="1">
+            <a:schemeClr val="accent1"/>
+          </a:fillRef>
+          <a:effectRef idx="0">
+            <a:schemeClr val="accent1"/>
+          </a:effectRef>
+          <a:fontRef idx="minor">
+            <a:schemeClr val="lt1"/>
+          </a:fontRef>
+        </p:style>
+        <p:txBody>
+          <a:bodyPr lIns="90000" numCol="1" rtlCol="0" anchor="t"/>
+          <a:lstStyle/>
+          <a:p>
+            <a:pPr algn="ctr"/>
+            <a:r>
+              <a:rPr lang="en-FR" b="1" dirty="0">
+                <a:solidFill>
+                  <a:sysClr val="windowText" lastClr="000000"/>
+                </a:solidFill>
+              </a:rPr>
+              <a:t>checkPos</a:t>
+            </a:r>
+          </a:p>
+          <a:p>
+            <a:pPr algn="ctr"/>
+            <a:endParaRPr lang="en-FR" dirty="0">
+              <a:solidFill>
+                <a:sysClr val="windowText" lastClr="000000"/>
+              </a:solidFill>
+            </a:endParaRPr>
+          </a:p>
+          <a:p>
+            <a:pPr algn="ctr"/>
+            <a:r>
+              <a:rPr lang="en-FR" dirty="0">
+                <a:solidFill>
+                  <a:sysClr val="windowText" lastClr="000000"/>
+                </a:solidFill>
+              </a:rPr>
+              <a:t>Position myPosition(Ticker, Line)</a:t>
+            </a:r>
+          </a:p>
+        </p:txBody>
+      </p:sp>
+      <p:sp>
+        <p:nvSpPr>
+          <p:cNvPr id="78" name="Rectangle 77">
+            <a:extLst>
+              <a:ext uri="{FF2B5EF4-FFF2-40B4-BE49-F238E27FC236}">
+                <a16:creationId xmlns:a16="http://schemas.microsoft.com/office/drawing/2014/main" id="{C94631E5-86A0-379C-811D-A8BD53AC9DEF}"/>
+              </a:ext>
+            </a:extLst>
+          </p:cNvPr>
+          <p:cNvSpPr/>
+          <p:nvPr/>
+        </p:nvSpPr>
+        <p:spPr>
+          <a:xfrm>
+            <a:off x="20880000" y="12240000"/>
+            <a:ext cx="4345448" cy="2196053"/>
+          </a:xfrm>
+          <a:prstGeom prst="rect">
+            <a:avLst/>
+          </a:prstGeom>
+          <a:noFill/>
+          <a:ln w="19050">
+            <a:solidFill>
+              <a:schemeClr val="tx1"/>
+            </a:solidFill>
+            <a:prstDash val="lgDash"/>
+          </a:ln>
+        </p:spPr>
+        <p:style>
+          <a:lnRef idx="2">
+            <a:schemeClr val="accent1">
+              <a:shade val="15000"/>
+            </a:schemeClr>
+          </a:lnRef>
+          <a:fillRef idx="1">
+            <a:schemeClr val="accent1"/>
+          </a:fillRef>
+          <a:effectRef idx="0">
+            <a:schemeClr val="accent1"/>
+          </a:effectRef>
+          <a:fontRef idx="minor">
+            <a:schemeClr val="lt1"/>
+          </a:fontRef>
+        </p:style>
+        <p:txBody>
+          <a:bodyPr rtlCol="0" anchor="t"/>
+          <a:lstStyle/>
+          <a:p>
+            <a:r>
+              <a:rPr lang="en-FR" i="1" dirty="0">
+                <a:solidFill>
+                  <a:sysClr val="windowText" lastClr="000000"/>
+                </a:solidFill>
+              </a:rPr>
+              <a:t>Backtesting</a:t>
+            </a:r>
+          </a:p>
+        </p:txBody>
+      </p:sp>
+      <p:sp>
+        <p:nvSpPr>
+          <p:cNvPr id="79" name="Rectangle 78">
+            <a:extLst>
+              <a:ext uri="{FF2B5EF4-FFF2-40B4-BE49-F238E27FC236}">
+                <a16:creationId xmlns:a16="http://schemas.microsoft.com/office/drawing/2014/main" id="{AE5E85F1-4B66-DA10-B24E-51224443C4C7}"/>
+              </a:ext>
+            </a:extLst>
+          </p:cNvPr>
+          <p:cNvSpPr/>
+          <p:nvPr/>
+        </p:nvSpPr>
+        <p:spPr>
+          <a:xfrm>
+            <a:off x="20882700" y="15516054"/>
+            <a:ext cx="4342748" cy="2196052"/>
+          </a:xfrm>
+          <a:prstGeom prst="rect">
+            <a:avLst/>
+          </a:prstGeom>
+          <a:noFill/>
+          <a:ln w="19050">
+            <a:solidFill>
+              <a:schemeClr val="tx1"/>
+            </a:solidFill>
+            <a:prstDash val="lgDash"/>
+          </a:ln>
+        </p:spPr>
+        <p:style>
+          <a:lnRef idx="2">
+            <a:schemeClr val="accent1">
+              <a:shade val="15000"/>
+            </a:schemeClr>
+          </a:lnRef>
+          <a:fillRef idx="1">
+            <a:schemeClr val="accent1"/>
+          </a:fillRef>
+          <a:effectRef idx="0">
+            <a:schemeClr val="accent1"/>
+          </a:effectRef>
+          <a:fontRef idx="minor">
+            <a:schemeClr val="lt1"/>
+          </a:fontRef>
+        </p:style>
+        <p:txBody>
+          <a:bodyPr rtlCol="0" anchor="t"/>
+          <a:lstStyle/>
+          <a:p>
+            <a:r>
+              <a:rPr lang="en-FR" i="1" dirty="0">
+                <a:solidFill>
+                  <a:sysClr val="windowText" lastClr="000000"/>
+                </a:solidFill>
+              </a:rPr>
+              <a:t>Data Handling</a:t>
+            </a:r>
+          </a:p>
+        </p:txBody>
+      </p:sp>
+      <p:sp>
+        <p:nvSpPr>
+          <p:cNvPr id="81" name="Rectangle 80">
+            <a:extLst>
+              <a:ext uri="{FF2B5EF4-FFF2-40B4-BE49-F238E27FC236}">
+                <a16:creationId xmlns:a16="http://schemas.microsoft.com/office/drawing/2014/main" id="{8509C374-8716-7421-08E1-FBF212494266}"/>
+              </a:ext>
+            </a:extLst>
+          </p:cNvPr>
+          <p:cNvSpPr/>
+          <p:nvPr/>
+        </p:nvSpPr>
+        <p:spPr>
+          <a:xfrm>
+            <a:off x="16559998" y="16560000"/>
+            <a:ext cx="2880000" cy="1800000"/>
+          </a:xfrm>
+          <a:prstGeom prst="rect">
+            <a:avLst/>
+          </a:prstGeom>
+          <a:solidFill>
+            <a:schemeClr val="accent1">
+              <a:lumMod val="20000"/>
+              <a:lumOff val="80000"/>
+            </a:schemeClr>
+          </a:solidFill>
+          <a:ln w="19050">
+            <a:solidFill>
+              <a:schemeClr val="tx1"/>
+            </a:solidFill>
+            <a:prstDash val="lgDash"/>
+          </a:ln>
+        </p:spPr>
+        <p:style>
+          <a:lnRef idx="2">
+            <a:schemeClr val="accent1">
+              <a:shade val="15000"/>
+            </a:schemeClr>
+          </a:lnRef>
+          <a:fillRef idx="1">
+            <a:schemeClr val="accent1"/>
+          </a:fillRef>
+          <a:effectRef idx="0">
+            <a:schemeClr val="accent1"/>
+          </a:effectRef>
+          <a:fontRef idx="minor">
+            <a:schemeClr val="lt1"/>
+          </a:fontRef>
+        </p:style>
+        <p:txBody>
+          <a:bodyPr lIns="90000" numCol="1" rtlCol="0" anchor="t"/>
+          <a:lstStyle/>
+          <a:p>
+            <a:pPr algn="ctr"/>
+            <a:r>
+              <a:rPr lang="en-FR" b="1" dirty="0">
+                <a:solidFill>
+                  <a:sysClr val="windowText" lastClr="000000"/>
+                </a:solidFill>
+              </a:rPr>
+              <a:t>LinearReg.h</a:t>
+            </a:r>
+          </a:p>
+          <a:p>
+            <a:pPr marL="184150" indent="-184150"/>
+            <a:endParaRPr lang="en-FR" dirty="0">
+              <a:solidFill>
+                <a:sysClr val="windowText" lastClr="000000"/>
+              </a:solidFill>
+            </a:endParaRPr>
+          </a:p>
+        </p:txBody>
+      </p:sp>
+      <p:sp>
+        <p:nvSpPr>
+          <p:cNvPr id="82" name="Rectangle 81">
+            <a:extLst>
+              <a:ext uri="{FF2B5EF4-FFF2-40B4-BE49-F238E27FC236}">
+                <a16:creationId xmlns:a16="http://schemas.microsoft.com/office/drawing/2014/main" id="{9D83B33D-0A97-C602-1A3A-65DA40C01F4D}"/>
+              </a:ext>
+            </a:extLst>
+          </p:cNvPr>
+          <p:cNvSpPr/>
+          <p:nvPr/>
+        </p:nvSpPr>
+        <p:spPr>
+          <a:xfrm>
+            <a:off x="16559998" y="18720000"/>
+            <a:ext cx="2880000" cy="1800000"/>
+          </a:xfrm>
+          <a:prstGeom prst="rect">
+            <a:avLst/>
+          </a:prstGeom>
+          <a:solidFill>
+            <a:schemeClr val="accent1">
+              <a:lumMod val="20000"/>
+              <a:lumOff val="80000"/>
+            </a:schemeClr>
+          </a:solidFill>
+          <a:ln w="19050">
+            <a:solidFill>
+              <a:schemeClr val="tx1"/>
+            </a:solidFill>
+            <a:prstDash val="lgDash"/>
+          </a:ln>
+        </p:spPr>
+        <p:style>
+          <a:lnRef idx="2">
+            <a:schemeClr val="accent1">
+              <a:shade val="15000"/>
+            </a:schemeClr>
+          </a:lnRef>
+          <a:fillRef idx="1">
+            <a:schemeClr val="accent1"/>
+          </a:fillRef>
+          <a:effectRef idx="0">
+            <a:schemeClr val="accent1"/>
+          </a:effectRef>
+          <a:fontRef idx="minor">
+            <a:schemeClr val="lt1"/>
+          </a:fontRef>
+        </p:style>
+        <p:txBody>
+          <a:bodyPr lIns="90000" numCol="1" rtlCol="0" anchor="t"/>
+          <a:lstStyle/>
+          <a:p>
+            <a:pPr algn="ctr"/>
+            <a:r>
+              <a:rPr lang="en-FR" b="1" dirty="0">
+                <a:solidFill>
+                  <a:sysClr val="windowText" lastClr="000000"/>
+                </a:solidFill>
+              </a:rPr>
+              <a:t>LogisticReg.h</a:t>
+            </a:r>
+          </a:p>
+          <a:p>
+            <a:pPr marL="184150" indent="-184150"/>
+            <a:endParaRPr lang="en-FR" dirty="0">
+              <a:solidFill>
+                <a:sysClr val="windowText" lastClr="000000"/>
+              </a:solidFill>
+            </a:endParaRPr>
+          </a:p>
+        </p:txBody>
+      </p:sp>
+      <p:sp>
+        <p:nvSpPr>
+          <p:cNvPr id="86" name="Rectangle 85">
+            <a:extLst>
+              <a:ext uri="{FF2B5EF4-FFF2-40B4-BE49-F238E27FC236}">
+                <a16:creationId xmlns:a16="http://schemas.microsoft.com/office/drawing/2014/main" id="{53C98D5D-09A9-F1F0-792F-5F85E19C1104}"/>
+              </a:ext>
+            </a:extLst>
+          </p:cNvPr>
+          <p:cNvSpPr/>
+          <p:nvPr/>
+        </p:nvSpPr>
+        <p:spPr>
+          <a:xfrm>
+            <a:off x="13290128" y="18720000"/>
+            <a:ext cx="2880000" cy="1800000"/>
+          </a:xfrm>
+          <a:prstGeom prst="rect">
+            <a:avLst/>
+          </a:prstGeom>
+          <a:solidFill>
+            <a:schemeClr val="accent1">
+              <a:lumMod val="20000"/>
+              <a:lumOff val="80000"/>
+            </a:schemeClr>
+          </a:solidFill>
+          <a:ln w="19050">
+            <a:solidFill>
+              <a:schemeClr val="tx1"/>
+            </a:solidFill>
+            <a:prstDash val="lgDash"/>
+          </a:ln>
+        </p:spPr>
+        <p:style>
+          <a:lnRef idx="2">
+            <a:schemeClr val="accent1">
+              <a:shade val="15000"/>
+            </a:schemeClr>
+          </a:lnRef>
+          <a:fillRef idx="1">
+            <a:schemeClr val="accent1"/>
+          </a:fillRef>
+          <a:effectRef idx="0">
+            <a:schemeClr val="accent1"/>
+          </a:effectRef>
+          <a:fontRef idx="minor">
+            <a:schemeClr val="lt1"/>
+          </a:fontRef>
+        </p:style>
+        <p:txBody>
+          <a:bodyPr lIns="90000" numCol="1" rtlCol="0" anchor="t"/>
+          <a:lstStyle/>
+          <a:p>
+            <a:pPr algn="ctr"/>
+            <a:r>
+              <a:rPr lang="en-FR" b="1" dirty="0">
+                <a:solidFill>
+                  <a:sysClr val="windowText" lastClr="000000"/>
+                </a:solidFill>
+              </a:rPr>
+              <a:t>ADF.h</a:t>
+            </a:r>
+          </a:p>
+          <a:p>
+            <a:pPr algn="ctr"/>
+            <a:endParaRPr lang="en-FR" b="1" dirty="0">
+              <a:solidFill>
+                <a:sysClr val="windowText" lastClr="000000"/>
+              </a:solidFill>
+            </a:endParaRPr>
+          </a:p>
+          <a:p>
+            <a:pPr algn="ctr"/>
+            <a:r>
+              <a:rPr lang="en-GB" b="1" dirty="0">
+                <a:solidFill>
+                  <a:sysClr val="windowText" lastClr="000000"/>
+                </a:solidFill>
+              </a:rPr>
+              <a:t>Augmented Dickey-Fuller test</a:t>
+            </a:r>
+            <a:endParaRPr lang="en-FR" b="1" dirty="0">
+              <a:solidFill>
+                <a:sysClr val="windowText" lastClr="000000"/>
+              </a:solidFill>
+            </a:endParaRPr>
+          </a:p>
+          <a:p>
+            <a:pPr marL="184150" indent="-184150"/>
+            <a:endParaRPr lang="en-FR" dirty="0">
+              <a:solidFill>
+                <a:sysClr val="windowText" lastClr="000000"/>
+              </a:solidFill>
+            </a:endParaRPr>
+          </a:p>
+        </p:txBody>
+      </p:sp>
+      <p:cxnSp>
+        <p:nvCxnSpPr>
+          <p:cNvPr id="93" name="Elbow Connector 92">
+            <a:extLst>
+              <a:ext uri="{FF2B5EF4-FFF2-40B4-BE49-F238E27FC236}">
+                <a16:creationId xmlns:a16="http://schemas.microsoft.com/office/drawing/2014/main" id="{697CC3BA-2D82-5E79-3B08-B9C61DF42AC3}"/>
+              </a:ext>
+            </a:extLst>
+          </p:cNvPr>
+          <p:cNvCxnSpPr>
+            <a:cxnSpLocks/>
+          </p:cNvCxnSpPr>
+          <p:nvPr/>
+        </p:nvCxnSpPr>
+        <p:spPr>
+          <a:xfrm rot="10800000" flipV="1">
+            <a:off x="20628000" y="5758132"/>
+            <a:ext cx="3850244" cy="919680"/>
+          </a:xfrm>
+          <a:prstGeom prst="bentConnector3">
+            <a:avLst>
+              <a:gd name="adj1" fmla="val -4440"/>
+            </a:avLst>
+          </a:prstGeom>
+          <a:ln w="12700">
+            <a:solidFill>
+              <a:schemeClr val="tx1"/>
+            </a:solidFill>
+          </a:ln>
+        </p:spPr>
+        <p:style>
+          <a:lnRef idx="1">
+            <a:schemeClr val="accent1"/>
+          </a:lnRef>
+          <a:fillRef idx="0">
+            <a:schemeClr val="accent1"/>
+          </a:fillRef>
+          <a:effectRef idx="0">
+            <a:schemeClr val="accent1"/>
+          </a:effectRef>
+          <a:fontRef idx="minor">
+            <a:schemeClr val="tx1"/>
+          </a:fontRef>
+        </p:style>
+      </p:cxnSp>
+      <p:cxnSp>
+        <p:nvCxnSpPr>
+          <p:cNvPr id="94" name="Elbow Connector 93">
+            <a:extLst>
+              <a:ext uri="{FF2B5EF4-FFF2-40B4-BE49-F238E27FC236}">
+                <a16:creationId xmlns:a16="http://schemas.microsoft.com/office/drawing/2014/main" id="{83864B6F-7CA4-AB76-6A53-A8D242E0A144}"/>
+              </a:ext>
+            </a:extLst>
+          </p:cNvPr>
+          <p:cNvCxnSpPr>
+            <a:cxnSpLocks/>
+          </p:cNvCxnSpPr>
+          <p:nvPr/>
+        </p:nvCxnSpPr>
+        <p:spPr>
+          <a:xfrm>
+            <a:off x="20628000" y="6686737"/>
+            <a:ext cx="475200" cy="316734"/>
+          </a:xfrm>
+          <a:prstGeom prst="bentConnector3">
+            <a:avLst>
+              <a:gd name="adj1" fmla="val -1626"/>
+            </a:avLst>
+          </a:prstGeom>
+          <a:ln w="12700">
+            <a:solidFill>
+              <a:schemeClr val="tx1"/>
+            </a:solidFill>
+            <a:tailEnd type="stealth" w="lg" len="lg"/>
+          </a:ln>
+        </p:spPr>
+        <p:style>
+          <a:lnRef idx="1">
+            <a:schemeClr val="accent1"/>
+          </a:lnRef>
+          <a:fillRef idx="0">
+            <a:schemeClr val="accent1"/>
+          </a:fillRef>
+          <a:effectRef idx="0">
+            <a:schemeClr val="accent1"/>
+          </a:effectRef>
+          <a:fontRef idx="minor">
+            <a:schemeClr val="tx1"/>
+          </a:fontRef>
+        </p:style>
+      </p:cxnSp>
+      <p:sp>
+        <p:nvSpPr>
+          <p:cNvPr id="115" name="Right Brace 114">
+            <a:extLst>
+              <a:ext uri="{FF2B5EF4-FFF2-40B4-BE49-F238E27FC236}">
+                <a16:creationId xmlns:a16="http://schemas.microsoft.com/office/drawing/2014/main" id="{B5825F1F-3010-09AE-2102-50BAB9CED458}"/>
+              </a:ext>
+            </a:extLst>
+          </p:cNvPr>
+          <p:cNvSpPr/>
+          <p:nvPr/>
+        </p:nvSpPr>
+        <p:spPr>
+          <a:xfrm>
+            <a:off x="24188468" y="4960189"/>
+            <a:ext cx="289776" cy="1595886"/>
+          </a:xfrm>
+          <a:prstGeom prst="rightBrace">
+            <a:avLst>
+              <a:gd name="adj1" fmla="val 38102"/>
+              <a:gd name="adj2" fmla="val 50000"/>
+            </a:avLst>
+          </a:prstGeom>
+          <a:ln w="12700">
+            <a:solidFill>
+              <a:schemeClr val="tx1"/>
+            </a:solidFill>
+          </a:ln>
+        </p:spPr>
+        <p:style>
+          <a:lnRef idx="1">
+            <a:schemeClr val="accent1"/>
+          </a:lnRef>
+          <a:fillRef idx="0">
+            <a:schemeClr val="accent1"/>
+          </a:fillRef>
+          <a:effectRef idx="0">
+            <a:schemeClr val="accent1"/>
+          </a:effectRef>
+          <a:fontRef idx="minor">
+            <a:schemeClr val="tx1"/>
+          </a:fontRef>
+        </p:style>
+        <p:txBody>
+          <a:bodyPr rtlCol="0" anchor="ctr"/>
+          <a:lstStyle/>
+          <a:p>
+            <a:pPr algn="ctr"/>
+            <a:endParaRPr lang="en-FR" dirty="0"/>
+          </a:p>
+        </p:txBody>
+      </p:sp>
+      <p:cxnSp>
+        <p:nvCxnSpPr>
+          <p:cNvPr id="118" name="Elbow Connector 117">
+            <a:extLst>
+              <a:ext uri="{FF2B5EF4-FFF2-40B4-BE49-F238E27FC236}">
+                <a16:creationId xmlns:a16="http://schemas.microsoft.com/office/drawing/2014/main" id="{060CCDCB-442A-AFA7-7BD4-6A34B948CDF6}"/>
+              </a:ext>
+            </a:extLst>
+          </p:cNvPr>
+          <p:cNvCxnSpPr>
+            <a:cxnSpLocks/>
+          </p:cNvCxnSpPr>
+          <p:nvPr/>
+        </p:nvCxnSpPr>
+        <p:spPr>
+          <a:xfrm>
+            <a:off x="16423200" y="5328000"/>
+            <a:ext cx="4204800" cy="1358737"/>
+          </a:xfrm>
+          <a:prstGeom prst="bentConnector3">
+            <a:avLst>
+              <a:gd name="adj1" fmla="val 50000"/>
+            </a:avLst>
+          </a:prstGeom>
+          <a:ln w="12700">
+            <a:solidFill>
+              <a:schemeClr val="tx1"/>
+            </a:solidFill>
+          </a:ln>
+        </p:spPr>
+        <p:style>
+          <a:lnRef idx="1">
+            <a:schemeClr val="accent1"/>
+          </a:lnRef>
+          <a:fillRef idx="0">
+            <a:schemeClr val="accent1"/>
+          </a:fillRef>
+          <a:effectRef idx="0">
+            <a:schemeClr val="accent1"/>
+          </a:effectRef>
+          <a:fontRef idx="minor">
+            <a:schemeClr val="tx1"/>
+          </a:fontRef>
+        </p:style>
+      </p:cxnSp>
     </p:spTree>
     <p:extLst>
       <p:ext uri="{BB962C8B-B14F-4D97-AF65-F5344CB8AC3E}">

--- a/Overview.pptx
+++ b/Overview.pptx
@@ -5560,10 +5560,7 @@
             <a:avLst/>
           </a:prstGeom>
           <a:solidFill>
-            <a:schemeClr val="accent1">
-              <a:lumMod val="20000"/>
-              <a:lumOff val="80000"/>
-            </a:schemeClr>
+            <a:schemeClr val="bg1"/>
           </a:solidFill>
           <a:ln w="19050">
             <a:solidFill>
@@ -5633,10 +5630,7 @@
             <a:avLst/>
           </a:prstGeom>
           <a:solidFill>
-            <a:schemeClr val="accent1">
-              <a:lumMod val="20000"/>
-              <a:lumOff val="80000"/>
-            </a:schemeClr>
+            <a:schemeClr val="bg1"/>
           </a:solidFill>
           <a:ln w="19050">
             <a:solidFill>
@@ -5706,10 +5700,7 @@
             <a:avLst/>
           </a:prstGeom>
           <a:solidFill>
-            <a:schemeClr val="accent1">
-              <a:lumMod val="20000"/>
-              <a:lumOff val="80000"/>
-            </a:schemeClr>
+            <a:schemeClr val="bg1"/>
           </a:solidFill>
           <a:ln w="19050">
             <a:solidFill>
@@ -5970,6 +5961,279 @@
           </a:fontRef>
         </p:style>
       </p:cxnSp>
+      <p:sp>
+        <p:nvSpPr>
+          <p:cNvPr id="6" name="Rectangle 5">
+            <a:extLst>
+              <a:ext uri="{FF2B5EF4-FFF2-40B4-BE49-F238E27FC236}">
+                <a16:creationId xmlns:a16="http://schemas.microsoft.com/office/drawing/2014/main" id="{32A2F509-2946-241F-851B-21EA51E46FFB}"/>
+              </a:ext>
+            </a:extLst>
+          </p:cNvPr>
+          <p:cNvSpPr/>
+          <p:nvPr/>
+        </p:nvSpPr>
+        <p:spPr>
+          <a:xfrm>
+            <a:off x="26280000" y="12239999"/>
+            <a:ext cx="7200000" cy="3600000"/>
+          </a:xfrm>
+          <a:prstGeom prst="rect">
+            <a:avLst/>
+          </a:prstGeom>
+          <a:noFill/>
+          <a:ln w="19050">
+            <a:solidFill>
+              <a:schemeClr val="tx1"/>
+            </a:solidFill>
+            <a:prstDash val="lgDash"/>
+          </a:ln>
+        </p:spPr>
+        <p:style>
+          <a:lnRef idx="2">
+            <a:schemeClr val="accent1">
+              <a:shade val="15000"/>
+            </a:schemeClr>
+          </a:lnRef>
+          <a:fillRef idx="1">
+            <a:schemeClr val="accent1"/>
+          </a:fillRef>
+          <a:effectRef idx="0">
+            <a:schemeClr val="accent1"/>
+          </a:effectRef>
+          <a:fontRef idx="minor">
+            <a:schemeClr val="lt1"/>
+          </a:fontRef>
+        </p:style>
+        <p:txBody>
+          <a:bodyPr rtlCol="0" anchor="t"/>
+          <a:lstStyle/>
+          <a:p>
+            <a:r>
+              <a:rPr lang="en-FR" i="1" dirty="0">
+                <a:solidFill>
+                  <a:sysClr val="windowText" lastClr="000000"/>
+                </a:solidFill>
+              </a:rPr>
+              <a:t>Portfolio Optimisation</a:t>
+            </a:r>
+          </a:p>
+        </p:txBody>
+      </p:sp>
+      <p:sp>
+        <p:nvSpPr>
+          <p:cNvPr id="8" name="Rectangle 7">
+            <a:extLst>
+              <a:ext uri="{FF2B5EF4-FFF2-40B4-BE49-F238E27FC236}">
+                <a16:creationId xmlns:a16="http://schemas.microsoft.com/office/drawing/2014/main" id="{2E4D12C8-A928-ABEC-5C70-10CD1CF053C1}"/>
+              </a:ext>
+            </a:extLst>
+          </p:cNvPr>
+          <p:cNvSpPr/>
+          <p:nvPr/>
+        </p:nvSpPr>
+        <p:spPr>
+          <a:xfrm>
+            <a:off x="26640000" y="12960000"/>
+            <a:ext cx="2880000" cy="1080000"/>
+          </a:xfrm>
+          <a:prstGeom prst="rect">
+            <a:avLst/>
+          </a:prstGeom>
+          <a:solidFill>
+            <a:schemeClr val="bg1"/>
+          </a:solidFill>
+          <a:ln w="19050">
+            <a:solidFill>
+              <a:schemeClr val="tx1"/>
+            </a:solidFill>
+            <a:prstDash val="lgDash"/>
+          </a:ln>
+        </p:spPr>
+        <p:style>
+          <a:lnRef idx="2">
+            <a:schemeClr val="accent1">
+              <a:shade val="15000"/>
+            </a:schemeClr>
+          </a:lnRef>
+          <a:fillRef idx="1">
+            <a:schemeClr val="accent1"/>
+          </a:fillRef>
+          <a:effectRef idx="0">
+            <a:schemeClr val="accent1"/>
+          </a:effectRef>
+          <a:fontRef idx="minor">
+            <a:schemeClr val="lt1"/>
+          </a:fontRef>
+        </p:style>
+        <p:txBody>
+          <a:bodyPr lIns="90000" numCol="1" rtlCol="0" anchor="t"/>
+          <a:lstStyle/>
+          <a:p>
+            <a:pPr algn="ctr"/>
+            <a:r>
+              <a:rPr lang="en-FR" b="1" dirty="0">
+                <a:solidFill>
+                  <a:sysClr val="windowText" lastClr="000000"/>
+                </a:solidFill>
+              </a:rPr>
+              <a:t>MPT.h</a:t>
+            </a:r>
+          </a:p>
+          <a:p>
+            <a:pPr marL="184150" indent="-184150"/>
+            <a:endParaRPr lang="en-FR" dirty="0">
+              <a:solidFill>
+                <a:sysClr val="windowText" lastClr="000000"/>
+              </a:solidFill>
+            </a:endParaRPr>
+          </a:p>
+          <a:p>
+            <a:pPr marL="184150" indent="-184150" algn="ctr"/>
+            <a:r>
+              <a:rPr lang="en-FR" dirty="0">
+                <a:solidFill>
+                  <a:sysClr val="windowText" lastClr="000000"/>
+                </a:solidFill>
+              </a:rPr>
+              <a:t>Modern Portfolio Theory</a:t>
+            </a:r>
+          </a:p>
+        </p:txBody>
+      </p:sp>
+      <p:sp>
+        <p:nvSpPr>
+          <p:cNvPr id="9" name="Rectangle 8">
+            <a:extLst>
+              <a:ext uri="{FF2B5EF4-FFF2-40B4-BE49-F238E27FC236}">
+                <a16:creationId xmlns:a16="http://schemas.microsoft.com/office/drawing/2014/main" id="{194DDE5A-31B9-E26A-7677-B6C5B4A307CB}"/>
+              </a:ext>
+            </a:extLst>
+          </p:cNvPr>
+          <p:cNvSpPr/>
+          <p:nvPr/>
+        </p:nvSpPr>
+        <p:spPr>
+          <a:xfrm>
+            <a:off x="29880000" y="12960000"/>
+            <a:ext cx="2880000" cy="1080000"/>
+          </a:xfrm>
+          <a:prstGeom prst="rect">
+            <a:avLst/>
+          </a:prstGeom>
+          <a:solidFill>
+            <a:schemeClr val="bg1"/>
+          </a:solidFill>
+          <a:ln w="19050">
+            <a:solidFill>
+              <a:schemeClr val="tx1"/>
+            </a:solidFill>
+            <a:prstDash val="lgDash"/>
+          </a:ln>
+        </p:spPr>
+        <p:style>
+          <a:lnRef idx="2">
+            <a:schemeClr val="accent1">
+              <a:shade val="15000"/>
+            </a:schemeClr>
+          </a:lnRef>
+          <a:fillRef idx="1">
+            <a:schemeClr val="accent1"/>
+          </a:fillRef>
+          <a:effectRef idx="0">
+            <a:schemeClr val="accent1"/>
+          </a:effectRef>
+          <a:fontRef idx="minor">
+            <a:schemeClr val="lt1"/>
+          </a:fontRef>
+        </p:style>
+        <p:txBody>
+          <a:bodyPr lIns="90000" numCol="1" rtlCol="0" anchor="t"/>
+          <a:lstStyle/>
+          <a:p>
+            <a:pPr algn="ctr"/>
+            <a:r>
+              <a:rPr lang="en-FR" b="1" dirty="0">
+                <a:solidFill>
+                  <a:sysClr val="windowText" lastClr="000000"/>
+                </a:solidFill>
+              </a:rPr>
+              <a:t>Risk.h</a:t>
+            </a:r>
+          </a:p>
+          <a:p>
+            <a:pPr marL="184150" indent="-184150"/>
+            <a:endParaRPr lang="en-FR" dirty="0">
+              <a:solidFill>
+                <a:sysClr val="windowText" lastClr="000000"/>
+              </a:solidFill>
+            </a:endParaRPr>
+          </a:p>
+        </p:txBody>
+      </p:sp>
+      <p:sp>
+        <p:nvSpPr>
+          <p:cNvPr id="10" name="Rectangle 9">
+            <a:extLst>
+              <a:ext uri="{FF2B5EF4-FFF2-40B4-BE49-F238E27FC236}">
+                <a16:creationId xmlns:a16="http://schemas.microsoft.com/office/drawing/2014/main" id="{5022B0A1-8961-5604-5773-E60C4DF4171A}"/>
+              </a:ext>
+            </a:extLst>
+          </p:cNvPr>
+          <p:cNvSpPr/>
+          <p:nvPr/>
+        </p:nvSpPr>
+        <p:spPr>
+          <a:xfrm>
+            <a:off x="3599463" y="12239999"/>
+            <a:ext cx="8280000" cy="8640000"/>
+          </a:xfrm>
+          <a:prstGeom prst="rect">
+            <a:avLst/>
+          </a:prstGeom>
+          <a:solidFill>
+            <a:schemeClr val="accent5">
+              <a:lumMod val="20000"/>
+              <a:lumOff val="80000"/>
+            </a:schemeClr>
+          </a:solidFill>
+          <a:ln w="19050">
+            <a:solidFill>
+              <a:schemeClr val="tx1"/>
+            </a:solidFill>
+          </a:ln>
+        </p:spPr>
+        <p:style>
+          <a:lnRef idx="2">
+            <a:schemeClr val="accent1">
+              <a:shade val="15000"/>
+            </a:schemeClr>
+          </a:lnRef>
+          <a:fillRef idx="1">
+            <a:schemeClr val="accent1"/>
+          </a:fillRef>
+          <a:effectRef idx="0">
+            <a:schemeClr val="accent1"/>
+          </a:effectRef>
+          <a:fontRef idx="minor">
+            <a:schemeClr val="lt1"/>
+          </a:fontRef>
+        </p:style>
+        <p:txBody>
+          <a:bodyPr rtlCol="0" anchor="t"/>
+          <a:lstStyle/>
+          <a:p>
+            <a:r>
+              <a:rPr lang="en-FR" i="1" dirty="0">
+                <a:solidFill>
+                  <a:sysClr val="windowText" lastClr="000000"/>
+                </a:solidFill>
+              </a:rPr>
+              <a:t>Data Base</a:t>
+            </a:r>
+          </a:p>
+        </p:txBody>
+      </p:sp>
     </p:spTree>
     <p:extLst>
       <p:ext uri="{BB962C8B-B14F-4D97-AF65-F5344CB8AC3E}">

--- a/Overview.pptx
+++ b/Overview.pptx
@@ -2975,69 +2975,6 @@
       </p:grpSpPr>
       <p:sp>
         <p:nvSpPr>
-          <p:cNvPr id="7" name="Rectangle 6">
-            <a:extLst>
-              <a:ext uri="{FF2B5EF4-FFF2-40B4-BE49-F238E27FC236}">
-                <a16:creationId xmlns:a16="http://schemas.microsoft.com/office/drawing/2014/main" id="{3E68C4BF-744B-2BD1-BFF9-7EA2816A59B3}"/>
-              </a:ext>
-            </a:extLst>
-          </p:cNvPr>
-          <p:cNvSpPr/>
-          <p:nvPr/>
-        </p:nvSpPr>
-        <p:spPr>
-          <a:xfrm>
-            <a:off x="8280000" y="3600000"/>
-            <a:ext cx="3600000" cy="7560000"/>
-          </a:xfrm>
-          <a:prstGeom prst="rect">
-            <a:avLst/>
-          </a:prstGeom>
-          <a:solidFill>
-            <a:schemeClr val="accent5">
-              <a:lumMod val="20000"/>
-              <a:lumOff val="80000"/>
-            </a:schemeClr>
-          </a:solidFill>
-          <a:ln w="19050">
-            <a:solidFill>
-              <a:schemeClr val="tx1"/>
-            </a:solidFill>
-          </a:ln>
-        </p:spPr>
-        <p:style>
-          <a:lnRef idx="2">
-            <a:schemeClr val="accent1">
-              <a:shade val="15000"/>
-            </a:schemeClr>
-          </a:lnRef>
-          <a:fillRef idx="1">
-            <a:schemeClr val="accent1"/>
-          </a:fillRef>
-          <a:effectRef idx="0">
-            <a:schemeClr val="accent1"/>
-          </a:effectRef>
-          <a:fontRef idx="minor">
-            <a:schemeClr val="lt1"/>
-          </a:fontRef>
-        </p:style>
-        <p:txBody>
-          <a:bodyPr lIns="90000" rtlCol="0" anchor="t"/>
-          <a:lstStyle/>
-          <a:p>
-            <a:r>
-              <a:rPr lang="en-FR" i="1" dirty="0">
-                <a:solidFill>
-                  <a:sysClr val="windowText" lastClr="000000"/>
-                </a:solidFill>
-              </a:rPr>
-              <a:t>Web</a:t>
-            </a:r>
-          </a:p>
-        </p:txBody>
-      </p:sp>
-      <p:sp>
-        <p:nvSpPr>
           <p:cNvPr id="3" name="Rectangle 2">
             <a:extLst>
               <a:ext uri="{FF2B5EF4-FFF2-40B4-BE49-F238E27FC236}">
@@ -3328,261 +3265,6 @@
               <a:t>AlgoTrading</a:t>
             </a:r>
             <a:endParaRPr lang="en-FR" sz="4400" dirty="0"/>
-          </a:p>
-        </p:txBody>
-      </p:sp>
-      <p:sp>
-        <p:nvSpPr>
-          <p:cNvPr id="89" name="Rectangle 88">
-            <a:extLst>
-              <a:ext uri="{FF2B5EF4-FFF2-40B4-BE49-F238E27FC236}">
-                <a16:creationId xmlns:a16="http://schemas.microsoft.com/office/drawing/2014/main" id="{6C880C04-2404-FB34-37B6-0D7169655E25}"/>
-              </a:ext>
-            </a:extLst>
-          </p:cNvPr>
-          <p:cNvSpPr/>
-          <p:nvPr/>
-        </p:nvSpPr>
-        <p:spPr>
-          <a:xfrm>
-            <a:off x="3600000" y="3600000"/>
-            <a:ext cx="3600000" cy="7560000"/>
-          </a:xfrm>
-          <a:prstGeom prst="rect">
-            <a:avLst/>
-          </a:prstGeom>
-          <a:solidFill>
-            <a:schemeClr val="accent5">
-              <a:lumMod val="20000"/>
-              <a:lumOff val="80000"/>
-            </a:schemeClr>
-          </a:solidFill>
-          <a:ln w="19050">
-            <a:solidFill>
-              <a:schemeClr val="tx1"/>
-            </a:solidFill>
-          </a:ln>
-        </p:spPr>
-        <p:style>
-          <a:lnRef idx="2">
-            <a:schemeClr val="accent1">
-              <a:shade val="15000"/>
-            </a:schemeClr>
-          </a:lnRef>
-          <a:fillRef idx="1">
-            <a:schemeClr val="accent1"/>
-          </a:fillRef>
-          <a:effectRef idx="0">
-            <a:schemeClr val="accent1"/>
-          </a:effectRef>
-          <a:fontRef idx="minor">
-            <a:schemeClr val="lt1"/>
-          </a:fontRef>
-        </p:style>
-        <p:txBody>
-          <a:bodyPr rtlCol="0" anchor="t"/>
-          <a:lstStyle/>
-          <a:p>
-            <a:r>
-              <a:rPr lang="en-FR" i="1" dirty="0">
-                <a:solidFill>
-                  <a:sysClr val="windowText" lastClr="000000"/>
-                </a:solidFill>
-              </a:rPr>
-              <a:t>Market Data</a:t>
-            </a:r>
-          </a:p>
-        </p:txBody>
-      </p:sp>
-      <p:sp>
-        <p:nvSpPr>
-          <p:cNvPr id="91" name="Rectangle 90">
-            <a:extLst>
-              <a:ext uri="{FF2B5EF4-FFF2-40B4-BE49-F238E27FC236}">
-                <a16:creationId xmlns:a16="http://schemas.microsoft.com/office/drawing/2014/main" id="{D2667804-EF2D-AFA4-5562-A45E2A6A4B3B}"/>
-              </a:ext>
-            </a:extLst>
-          </p:cNvPr>
-          <p:cNvSpPr/>
-          <p:nvPr/>
-        </p:nvSpPr>
-        <p:spPr>
-          <a:xfrm>
-            <a:off x="3960000" y="4320000"/>
-            <a:ext cx="2880000" cy="2160000"/>
-          </a:xfrm>
-          <a:prstGeom prst="rect">
-            <a:avLst/>
-          </a:prstGeom>
-          <a:solidFill>
-            <a:schemeClr val="accent1">
-              <a:lumMod val="60000"/>
-              <a:lumOff val="40000"/>
-            </a:schemeClr>
-          </a:solidFill>
-          <a:ln w="19050">
-            <a:solidFill>
-              <a:schemeClr val="tx1"/>
-            </a:solidFill>
-          </a:ln>
-        </p:spPr>
-        <p:style>
-          <a:lnRef idx="2">
-            <a:schemeClr val="accent1">
-              <a:shade val="15000"/>
-            </a:schemeClr>
-          </a:lnRef>
-          <a:fillRef idx="1">
-            <a:schemeClr val="accent1"/>
-          </a:fillRef>
-          <a:effectRef idx="0">
-            <a:schemeClr val="accent1"/>
-          </a:effectRef>
-          <a:fontRef idx="minor">
-            <a:schemeClr val="lt1"/>
-          </a:fontRef>
-        </p:style>
-        <p:txBody>
-          <a:bodyPr lIns="90000" numCol="1" rtlCol="0" anchor="t"/>
-          <a:lstStyle/>
-          <a:p>
-            <a:pPr algn="ctr"/>
-            <a:r>
-              <a:rPr lang="en-FR" b="1" dirty="0">
-                <a:solidFill>
-                  <a:sysClr val="windowText" lastClr="000000"/>
-                </a:solidFill>
-              </a:rPr>
-              <a:t>Stock</a:t>
-            </a:r>
-          </a:p>
-          <a:p>
-            <a:pPr algn="just"/>
-            <a:endParaRPr lang="en-FR" dirty="0">
-              <a:solidFill>
-                <a:sysClr val="windowText" lastClr="000000"/>
-              </a:solidFill>
-            </a:endParaRPr>
-          </a:p>
-          <a:p>
-            <a:pPr algn="just"/>
-            <a:r>
-              <a:rPr lang="en-FR" dirty="0">
-                <a:solidFill>
-                  <a:sysClr val="windowText" lastClr="000000"/>
-                </a:solidFill>
-              </a:rPr>
-              <a:t>Ticker                     string Prices    vector&lt;double&gt; Dates vector&lt;string&gt; Volumes    vector&lt;int&gt;      </a:t>
-            </a:r>
-            <a:r>
-              <a:rPr lang="en-FR" dirty="0">
-                <a:solidFill>
-                  <a:schemeClr val="accent1">
-                    <a:lumMod val="60000"/>
-                    <a:lumOff val="40000"/>
-                  </a:schemeClr>
-                </a:solidFill>
-              </a:rPr>
-              <a:t>blbl</a:t>
-            </a:r>
-          </a:p>
-        </p:txBody>
-      </p:sp>
-      <p:sp>
-        <p:nvSpPr>
-          <p:cNvPr id="95" name="Rectangle 94">
-            <a:extLst>
-              <a:ext uri="{FF2B5EF4-FFF2-40B4-BE49-F238E27FC236}">
-                <a16:creationId xmlns:a16="http://schemas.microsoft.com/office/drawing/2014/main" id="{2DB3B200-544F-D819-06E3-377E2C52185F}"/>
-              </a:ext>
-            </a:extLst>
-          </p:cNvPr>
-          <p:cNvSpPr/>
-          <p:nvPr/>
-        </p:nvSpPr>
-        <p:spPr>
-          <a:xfrm>
-            <a:off x="3960000" y="9000000"/>
-            <a:ext cx="2880000" cy="1800000"/>
-          </a:xfrm>
-          <a:prstGeom prst="rect">
-            <a:avLst/>
-          </a:prstGeom>
-          <a:solidFill>
-            <a:schemeClr val="accent1">
-              <a:lumMod val="60000"/>
-              <a:lumOff val="40000"/>
-            </a:schemeClr>
-          </a:solidFill>
-          <a:ln w="19050">
-            <a:solidFill>
-              <a:schemeClr val="tx1"/>
-            </a:solidFill>
-          </a:ln>
-        </p:spPr>
-        <p:style>
-          <a:lnRef idx="2">
-            <a:schemeClr val="accent1">
-              <a:shade val="15000"/>
-            </a:schemeClr>
-          </a:lnRef>
-          <a:fillRef idx="1">
-            <a:schemeClr val="accent1"/>
-          </a:fillRef>
-          <a:effectRef idx="0">
-            <a:schemeClr val="accent1"/>
-          </a:effectRef>
-          <a:fontRef idx="minor">
-            <a:schemeClr val="lt1"/>
-          </a:fontRef>
-        </p:style>
-        <p:txBody>
-          <a:bodyPr lIns="90000" numCol="1" rtlCol="0" anchor="t"/>
-          <a:lstStyle/>
-          <a:p>
-            <a:pPr algn="ctr"/>
-            <a:r>
-              <a:rPr lang="en-FR" b="1" dirty="0">
-                <a:solidFill>
-                  <a:sysClr val="windowText" lastClr="000000"/>
-                </a:solidFill>
-              </a:rPr>
-              <a:t>Bond</a:t>
-            </a:r>
-          </a:p>
-          <a:p>
-            <a:pPr algn="just"/>
-            <a:endParaRPr lang="en-FR" dirty="0">
-              <a:solidFill>
-                <a:sysClr val="windowText" lastClr="000000"/>
-              </a:solidFill>
-            </a:endParaRPr>
-          </a:p>
-          <a:p>
-            <a:pPr marL="6350" algn="just">
-              <a:tabLst>
-                <a:tab pos="4124325" algn="l"/>
-              </a:tabLst>
-            </a:pPr>
-            <a:r>
-              <a:rPr lang="en-FR" dirty="0">
-                <a:solidFill>
-                  <a:sysClr val="windowText" lastClr="000000"/>
-                </a:solidFill>
-              </a:rPr>
-              <a:t>Issuer                string Issuing_date      string      Price      double          </a:t>
-            </a:r>
-            <a:r>
-              <a:rPr lang="en-FR" dirty="0">
-                <a:solidFill>
-                  <a:schemeClr val="accent1">
-                    <a:lumMod val="60000"/>
-                    <a:lumOff val="40000"/>
-                  </a:schemeClr>
-                </a:solidFill>
-              </a:rPr>
-              <a:t>bkablkab      blbl</a:t>
-            </a:r>
           </a:p>
         </p:txBody>
       </p:sp>
@@ -3651,6 +3333,324 @@
       </p:sp>
       <p:sp>
         <p:nvSpPr>
+          <p:cNvPr id="7" name="Rectangle 6">
+            <a:extLst>
+              <a:ext uri="{FF2B5EF4-FFF2-40B4-BE49-F238E27FC236}">
+                <a16:creationId xmlns:a16="http://schemas.microsoft.com/office/drawing/2014/main" id="{3E68C4BF-744B-2BD1-BFF9-7EA2816A59B3}"/>
+              </a:ext>
+            </a:extLst>
+          </p:cNvPr>
+          <p:cNvSpPr/>
+          <p:nvPr/>
+        </p:nvSpPr>
+        <p:spPr>
+          <a:xfrm>
+            <a:off x="5760000" y="2520001"/>
+            <a:ext cx="3600000" cy="7560000"/>
+          </a:xfrm>
+          <a:prstGeom prst="rect">
+            <a:avLst/>
+          </a:prstGeom>
+          <a:solidFill>
+            <a:schemeClr val="accent5">
+              <a:lumMod val="20000"/>
+              <a:lumOff val="80000"/>
+            </a:schemeClr>
+          </a:solidFill>
+          <a:ln w="19050">
+            <a:solidFill>
+              <a:schemeClr val="tx1"/>
+            </a:solidFill>
+          </a:ln>
+        </p:spPr>
+        <p:style>
+          <a:lnRef idx="2">
+            <a:schemeClr val="accent1">
+              <a:shade val="15000"/>
+            </a:schemeClr>
+          </a:lnRef>
+          <a:fillRef idx="1">
+            <a:schemeClr val="accent1"/>
+          </a:fillRef>
+          <a:effectRef idx="0">
+            <a:schemeClr val="accent1"/>
+          </a:effectRef>
+          <a:fontRef idx="minor">
+            <a:schemeClr val="lt1"/>
+          </a:fontRef>
+        </p:style>
+        <p:txBody>
+          <a:bodyPr lIns="90000" rtlCol="0" anchor="t"/>
+          <a:lstStyle/>
+          <a:p>
+            <a:r>
+              <a:rPr lang="en-FR" i="1" dirty="0">
+                <a:solidFill>
+                  <a:sysClr val="windowText" lastClr="000000"/>
+                </a:solidFill>
+              </a:rPr>
+              <a:t>Web</a:t>
+            </a:r>
+          </a:p>
+        </p:txBody>
+      </p:sp>
+      <p:sp>
+        <p:nvSpPr>
+          <p:cNvPr id="89" name="Rectangle 88">
+            <a:extLst>
+              <a:ext uri="{FF2B5EF4-FFF2-40B4-BE49-F238E27FC236}">
+                <a16:creationId xmlns:a16="http://schemas.microsoft.com/office/drawing/2014/main" id="{6C880C04-2404-FB34-37B6-0D7169655E25}"/>
+              </a:ext>
+            </a:extLst>
+          </p:cNvPr>
+          <p:cNvSpPr/>
+          <p:nvPr/>
+        </p:nvSpPr>
+        <p:spPr>
+          <a:xfrm>
+            <a:off x="1080000" y="2520001"/>
+            <a:ext cx="3600000" cy="7560000"/>
+          </a:xfrm>
+          <a:prstGeom prst="rect">
+            <a:avLst/>
+          </a:prstGeom>
+          <a:solidFill>
+            <a:schemeClr val="accent5">
+              <a:lumMod val="20000"/>
+              <a:lumOff val="80000"/>
+            </a:schemeClr>
+          </a:solidFill>
+          <a:ln w="19050">
+            <a:solidFill>
+              <a:schemeClr val="tx1"/>
+            </a:solidFill>
+          </a:ln>
+        </p:spPr>
+        <p:style>
+          <a:lnRef idx="2">
+            <a:schemeClr val="accent1">
+              <a:shade val="15000"/>
+            </a:schemeClr>
+          </a:lnRef>
+          <a:fillRef idx="1">
+            <a:schemeClr val="accent1"/>
+          </a:fillRef>
+          <a:effectRef idx="0">
+            <a:schemeClr val="accent1"/>
+          </a:effectRef>
+          <a:fontRef idx="minor">
+            <a:schemeClr val="lt1"/>
+          </a:fontRef>
+        </p:style>
+        <p:txBody>
+          <a:bodyPr rtlCol="0" anchor="t"/>
+          <a:lstStyle/>
+          <a:p>
+            <a:r>
+              <a:rPr lang="en-FR" i="1" dirty="0">
+                <a:solidFill>
+                  <a:sysClr val="windowText" lastClr="000000"/>
+                </a:solidFill>
+              </a:rPr>
+              <a:t>Market Data</a:t>
+            </a:r>
+          </a:p>
+        </p:txBody>
+      </p:sp>
+      <p:sp>
+        <p:nvSpPr>
+          <p:cNvPr id="91" name="Rectangle 90">
+            <a:extLst>
+              <a:ext uri="{FF2B5EF4-FFF2-40B4-BE49-F238E27FC236}">
+                <a16:creationId xmlns:a16="http://schemas.microsoft.com/office/drawing/2014/main" id="{D2667804-EF2D-AFA4-5562-A45E2A6A4B3B}"/>
+              </a:ext>
+            </a:extLst>
+          </p:cNvPr>
+          <p:cNvSpPr/>
+          <p:nvPr/>
+        </p:nvSpPr>
+        <p:spPr>
+          <a:xfrm>
+            <a:off x="1440000" y="3240001"/>
+            <a:ext cx="2880000" cy="2160000"/>
+          </a:xfrm>
+          <a:prstGeom prst="rect">
+            <a:avLst/>
+          </a:prstGeom>
+          <a:solidFill>
+            <a:schemeClr val="accent1">
+              <a:lumMod val="60000"/>
+              <a:lumOff val="40000"/>
+            </a:schemeClr>
+          </a:solidFill>
+          <a:ln w="19050">
+            <a:solidFill>
+              <a:schemeClr val="tx1"/>
+            </a:solidFill>
+          </a:ln>
+        </p:spPr>
+        <p:style>
+          <a:lnRef idx="2">
+            <a:schemeClr val="accent1">
+              <a:shade val="15000"/>
+            </a:schemeClr>
+          </a:lnRef>
+          <a:fillRef idx="1">
+            <a:schemeClr val="accent1"/>
+          </a:fillRef>
+          <a:effectRef idx="0">
+            <a:schemeClr val="accent1"/>
+          </a:effectRef>
+          <a:fontRef idx="minor">
+            <a:schemeClr val="lt1"/>
+          </a:fontRef>
+        </p:style>
+        <p:txBody>
+          <a:bodyPr lIns="90000" numCol="1" rtlCol="0" anchor="t"/>
+          <a:lstStyle/>
+          <a:p>
+            <a:pPr algn="ctr"/>
+            <a:r>
+              <a:rPr lang="en-FR" b="1" dirty="0">
+                <a:solidFill>
+                  <a:sysClr val="windowText" lastClr="000000"/>
+                </a:solidFill>
+              </a:rPr>
+              <a:t>Stock</a:t>
+            </a:r>
+          </a:p>
+          <a:p>
+            <a:pPr algn="just"/>
+            <a:endParaRPr lang="en-FR" dirty="0">
+              <a:solidFill>
+                <a:sysClr val="windowText" lastClr="000000"/>
+              </a:solidFill>
+            </a:endParaRPr>
+          </a:p>
+          <a:p>
+            <a:pPr algn="just"/>
+            <a:r>
+              <a:rPr lang="en-FR" dirty="0">
+                <a:solidFill>
+                  <a:sysClr val="windowText" lastClr="000000"/>
+                </a:solidFill>
+              </a:rPr>
+              <a:t>Ticker                     string Prices    vector&lt;double&gt; Dates vector&lt;string&gt; Volumes    vector&lt;int&gt;      </a:t>
+            </a:r>
+            <a:r>
+              <a:rPr lang="en-FR" dirty="0">
+                <a:solidFill>
+                  <a:schemeClr val="accent1">
+                    <a:lumMod val="60000"/>
+                    <a:lumOff val="40000"/>
+                  </a:schemeClr>
+                </a:solidFill>
+              </a:rPr>
+              <a:t>blbl</a:t>
+            </a:r>
+          </a:p>
+        </p:txBody>
+      </p:sp>
+      <p:sp>
+        <p:nvSpPr>
+          <p:cNvPr id="95" name="Rectangle 94">
+            <a:extLst>
+              <a:ext uri="{FF2B5EF4-FFF2-40B4-BE49-F238E27FC236}">
+                <a16:creationId xmlns:a16="http://schemas.microsoft.com/office/drawing/2014/main" id="{2DB3B200-544F-D819-06E3-377E2C52185F}"/>
+              </a:ext>
+            </a:extLst>
+          </p:cNvPr>
+          <p:cNvSpPr/>
+          <p:nvPr/>
+        </p:nvSpPr>
+        <p:spPr>
+          <a:xfrm>
+            <a:off x="1440000" y="7920001"/>
+            <a:ext cx="2880000" cy="1800000"/>
+          </a:xfrm>
+          <a:prstGeom prst="rect">
+            <a:avLst/>
+          </a:prstGeom>
+          <a:solidFill>
+            <a:schemeClr val="accent1">
+              <a:lumMod val="60000"/>
+              <a:lumOff val="40000"/>
+            </a:schemeClr>
+          </a:solidFill>
+          <a:ln w="19050">
+            <a:solidFill>
+              <a:schemeClr val="tx1"/>
+            </a:solidFill>
+          </a:ln>
+        </p:spPr>
+        <p:style>
+          <a:lnRef idx="2">
+            <a:schemeClr val="accent1">
+              <a:shade val="15000"/>
+            </a:schemeClr>
+          </a:lnRef>
+          <a:fillRef idx="1">
+            <a:schemeClr val="accent1"/>
+          </a:fillRef>
+          <a:effectRef idx="0">
+            <a:schemeClr val="accent1"/>
+          </a:effectRef>
+          <a:fontRef idx="minor">
+            <a:schemeClr val="lt1"/>
+          </a:fontRef>
+        </p:style>
+        <p:txBody>
+          <a:bodyPr lIns="90000" numCol="1" rtlCol="0" anchor="t"/>
+          <a:lstStyle/>
+          <a:p>
+            <a:pPr algn="ctr"/>
+            <a:r>
+              <a:rPr lang="en-FR" b="1" dirty="0">
+                <a:solidFill>
+                  <a:sysClr val="windowText" lastClr="000000"/>
+                </a:solidFill>
+              </a:rPr>
+              <a:t>Bond</a:t>
+            </a:r>
+          </a:p>
+          <a:p>
+            <a:pPr algn="just"/>
+            <a:endParaRPr lang="en-FR" dirty="0">
+              <a:solidFill>
+                <a:sysClr val="windowText" lastClr="000000"/>
+              </a:solidFill>
+            </a:endParaRPr>
+          </a:p>
+          <a:p>
+            <a:pPr marL="6350" algn="just">
+              <a:tabLst>
+                <a:tab pos="4124325" algn="l"/>
+              </a:tabLst>
+            </a:pPr>
+            <a:r>
+              <a:rPr lang="en-FR" dirty="0">
+                <a:solidFill>
+                  <a:sysClr val="windowText" lastClr="000000"/>
+                </a:solidFill>
+              </a:rPr>
+              <a:t>Issuer                string Issuing_date      string      Price      double          </a:t>
+            </a:r>
+            <a:r>
+              <a:rPr lang="en-FR" dirty="0">
+                <a:solidFill>
+                  <a:schemeClr val="accent1">
+                    <a:lumMod val="60000"/>
+                    <a:lumOff val="40000"/>
+                  </a:schemeClr>
+                </a:solidFill>
+              </a:rPr>
+              <a:t>bkablkab      blbl</a:t>
+            </a:r>
+          </a:p>
+        </p:txBody>
+      </p:sp>
+      <p:sp>
+        <p:nvSpPr>
           <p:cNvPr id="97" name="Rectangle 96">
             <a:extLst>
               <a:ext uri="{FF2B5EF4-FFF2-40B4-BE49-F238E27FC236}">
@@ -3663,7 +3663,7 @@
         </p:nvSpPr>
         <p:spPr>
           <a:xfrm>
-            <a:off x="12960000" y="3599999"/>
+            <a:off x="10440000" y="2520000"/>
             <a:ext cx="6840000" cy="7560000"/>
           </a:xfrm>
           <a:prstGeom prst="rect">
@@ -3726,7 +3726,7 @@
         </p:nvSpPr>
         <p:spPr>
           <a:xfrm>
-            <a:off x="13320000" y="4320000"/>
+            <a:off x="10800000" y="3240001"/>
             <a:ext cx="2880000" cy="3240000"/>
           </a:xfrm>
           <a:prstGeom prst="rect">
@@ -3820,7 +3820,7 @@
         </p:nvSpPr>
         <p:spPr>
           <a:xfrm>
-            <a:off x="13320000" y="9000000"/>
+            <a:off x="10800000" y="7920001"/>
             <a:ext cx="2880000" cy="1800000"/>
           </a:xfrm>
           <a:prstGeom prst="rect">
@@ -3918,7 +3918,7 @@
         </p:nvSpPr>
         <p:spPr>
           <a:xfrm>
-            <a:off x="8640000" y="4320000"/>
+            <a:off x="6120000" y="3240001"/>
             <a:ext cx="2880000" cy="1440000"/>
           </a:xfrm>
           <a:prstGeom prst="rect">
@@ -4054,7 +4054,7 @@
         </p:nvCxnSpPr>
         <p:spPr>
           <a:xfrm flipH="1">
-            <a:off x="6840000" y="5040000"/>
+            <a:off x="4320000" y="3960001"/>
             <a:ext cx="1800000" cy="0"/>
           </a:xfrm>
           <a:prstGeom prst="straightConnector1">
@@ -4098,7 +4098,7 @@
         </p:nvCxnSpPr>
         <p:spPr>
           <a:xfrm>
-            <a:off x="6840000" y="5328000"/>
+            <a:off x="4320000" y="4248001"/>
             <a:ext cx="1800000" cy="0"/>
           </a:xfrm>
           <a:prstGeom prst="straightConnector1">
@@ -4142,7 +4142,7 @@
         </p:nvCxnSpPr>
         <p:spPr>
           <a:xfrm>
-            <a:off x="11520000" y="5328000"/>
+            <a:off x="9000000" y="4248001"/>
             <a:ext cx="1770128" cy="0"/>
           </a:xfrm>
           <a:prstGeom prst="straightConnector1">
@@ -4184,7 +4184,7 @@
         </p:nvSpPr>
         <p:spPr>
           <a:xfrm>
-            <a:off x="3960000" y="6840000"/>
+            <a:off x="1440000" y="5760001"/>
             <a:ext cx="2880000" cy="1800000"/>
           </a:xfrm>
           <a:prstGeom prst="rect">
@@ -4282,7 +4282,7 @@
         </p:nvSpPr>
         <p:spPr>
           <a:xfrm>
-            <a:off x="16560000" y="7560000"/>
+            <a:off x="14040000" y="6480001"/>
             <a:ext cx="2880000" cy="1800000"/>
           </a:xfrm>
           <a:prstGeom prst="rect">
@@ -4380,7 +4380,7 @@
         </p:nvSpPr>
         <p:spPr>
           <a:xfrm>
-            <a:off x="8640000" y="6840000"/>
+            <a:off x="6120000" y="5760001"/>
             <a:ext cx="2880000" cy="1440000"/>
           </a:xfrm>
           <a:prstGeom prst="rect">
@@ -4519,8 +4519,8 @@
         </p:nvSpPr>
         <p:spPr>
           <a:xfrm>
-            <a:off x="12960000" y="12240000"/>
-            <a:ext cx="6840000" cy="8640000"/>
+            <a:off x="10440000" y="11160001"/>
+            <a:ext cx="6840000" cy="7920000"/>
           </a:xfrm>
           <a:prstGeom prst="rect">
             <a:avLst/>
@@ -4582,7 +4582,7 @@
         </p:nvSpPr>
         <p:spPr>
           <a:xfrm>
-            <a:off x="13319998" y="12960000"/>
+            <a:off x="10799998" y="11880001"/>
             <a:ext cx="6119999" cy="3240000"/>
           </a:xfrm>
           <a:prstGeom prst="rect">
@@ -4846,7 +4846,7 @@
         </p:nvCxnSpPr>
         <p:spPr>
           <a:xfrm rot="10800000" flipV="1">
-            <a:off x="12600000" y="5328000"/>
+            <a:off x="10080000" y="4248001"/>
             <a:ext cx="3600000" cy="2900902"/>
           </a:xfrm>
           <a:prstGeom prst="bentConnector3">
@@ -4891,7 +4891,7 @@
         </p:nvCxnSpPr>
         <p:spPr>
           <a:xfrm rot="16200000" flipH="1">
-            <a:off x="10344391" y="10484513"/>
+            <a:off x="7824391" y="9404514"/>
             <a:ext cx="5201348" cy="690129"/>
           </a:xfrm>
           <a:prstGeom prst="bentConnector3">
@@ -4937,7 +4937,7 @@
         </p:nvCxnSpPr>
         <p:spPr>
           <a:xfrm rot="10800000" flipV="1">
-            <a:off x="12599999" y="13430252"/>
+            <a:off x="10079999" y="12350253"/>
             <a:ext cx="6839998" cy="692150"/>
           </a:xfrm>
           <a:prstGeom prst="bentConnector3">
@@ -4982,7 +4982,7 @@
         </p:nvCxnSpPr>
         <p:spPr>
           <a:xfrm>
-            <a:off x="12600000" y="14122403"/>
+            <a:off x="10080000" y="13042404"/>
             <a:ext cx="690130" cy="387852"/>
           </a:xfrm>
           <a:prstGeom prst="bentConnector3">
@@ -5028,7 +5028,7 @@
         </p:nvCxnSpPr>
         <p:spPr>
           <a:xfrm rot="16200000" flipH="1">
-            <a:off x="12521396" y="14588859"/>
+            <a:off x="10001396" y="13508860"/>
             <a:ext cx="853017" cy="695807"/>
           </a:xfrm>
           <a:prstGeom prst="bentConnector3">
@@ -5058,79 +5058,345 @@
           </a:fontRef>
         </p:style>
       </p:cxnSp>
-      <p:sp>
-        <p:nvSpPr>
-          <p:cNvPr id="73" name="Rectangle 72">
-            <a:extLst>
-              <a:ext uri="{FF2B5EF4-FFF2-40B4-BE49-F238E27FC236}">
-                <a16:creationId xmlns:a16="http://schemas.microsoft.com/office/drawing/2014/main" id="{19E4F34B-0041-2109-F218-AD096EDDEB80}"/>
-              </a:ext>
-            </a:extLst>
-          </p:cNvPr>
-          <p:cNvSpPr/>
-          <p:nvPr/>
-        </p:nvSpPr>
-        <p:spPr>
-          <a:xfrm>
-            <a:off x="13319999" y="16560000"/>
-            <a:ext cx="2880000" cy="1800000"/>
-          </a:xfrm>
-          <a:prstGeom prst="rect">
-            <a:avLst/>
-          </a:prstGeom>
-          <a:solidFill>
-            <a:schemeClr val="accent1">
-              <a:lumMod val="20000"/>
-              <a:lumOff val="80000"/>
-            </a:schemeClr>
-          </a:solidFill>
-          <a:ln w="19050">
-            <a:solidFill>
-              <a:schemeClr val="tx1"/>
-            </a:solidFill>
-            <a:prstDash val="lgDash"/>
-          </a:ln>
-        </p:spPr>
-        <p:style>
-          <a:lnRef idx="2">
-            <a:schemeClr val="accent1">
-              <a:shade val="15000"/>
-            </a:schemeClr>
-          </a:lnRef>
-          <a:fillRef idx="1">
-            <a:schemeClr val="accent1"/>
-          </a:fillRef>
-          <a:effectRef idx="0">
-            <a:schemeClr val="accent1"/>
-          </a:effectRef>
-          <a:fontRef idx="minor">
-            <a:schemeClr val="lt1"/>
-          </a:fontRef>
-        </p:style>
-        <p:txBody>
-          <a:bodyPr lIns="90000" numCol="1" rtlCol="0" anchor="t"/>
-          <a:lstStyle/>
-          <a:p>
-            <a:pPr algn="ctr"/>
-            <a:r>
-              <a:rPr lang="en-FR" b="1" dirty="0">
-                <a:solidFill>
-                  <a:sysClr val="windowText" lastClr="000000"/>
-                </a:solidFill>
-              </a:rPr>
-              <a:t>Derivative.h</a:t>
-            </a:r>
-          </a:p>
-          <a:p>
-            <a:pPr marL="184150" indent="-184150"/>
-            <a:endParaRPr lang="en-FR" dirty="0">
+      <mc:AlternateContent xmlns:mc="http://schemas.openxmlformats.org/markup-compatibility/2006">
+        <mc:Choice xmlns:a14="http://schemas.microsoft.com/office/drawing/2010/main" Requires="a14">
+          <p:sp>
+            <p:nvSpPr>
+              <p:cNvPr id="73" name="Rectangle 72">
+                <a:extLst>
+                  <a:ext uri="{FF2B5EF4-FFF2-40B4-BE49-F238E27FC236}">
+                    <a16:creationId xmlns:a16="http://schemas.microsoft.com/office/drawing/2014/main" id="{19E4F34B-0041-2109-F218-AD096EDDEB80}"/>
+                  </a:ext>
+                </a:extLst>
+              </p:cNvPr>
+              <p:cNvSpPr/>
+              <p:nvPr/>
+            </p:nvSpPr>
+            <p:spPr>
+              <a:xfrm>
+                <a:off x="19008353" y="16765547"/>
+                <a:ext cx="3240000" cy="1800000"/>
+              </a:xfrm>
+              <a:prstGeom prst="rect">
+                <a:avLst/>
+              </a:prstGeom>
               <a:solidFill>
-                <a:sysClr val="windowText" lastClr="000000"/>
+                <a:schemeClr val="accent1">
+                  <a:lumMod val="20000"/>
+                  <a:lumOff val="80000"/>
+                </a:schemeClr>
               </a:solidFill>
-            </a:endParaRPr>
-          </a:p>
-        </p:txBody>
-      </p:sp>
+              <a:ln w="19050">
+                <a:solidFill>
+                  <a:schemeClr val="tx1"/>
+                </a:solidFill>
+                <a:prstDash val="lgDash"/>
+              </a:ln>
+            </p:spPr>
+            <p:style>
+              <a:lnRef idx="2">
+                <a:schemeClr val="accent1">
+                  <a:shade val="15000"/>
+                </a:schemeClr>
+              </a:lnRef>
+              <a:fillRef idx="1">
+                <a:schemeClr val="accent1"/>
+              </a:fillRef>
+              <a:effectRef idx="0">
+                <a:schemeClr val="accent1"/>
+              </a:effectRef>
+              <a:fontRef idx="minor">
+                <a:schemeClr val="lt1"/>
+              </a:fontRef>
+            </p:style>
+            <p:txBody>
+              <a:bodyPr lIns="90000" numCol="1" rtlCol="0" anchor="t"/>
+              <a:lstStyle/>
+              <a:p>
+                <a:pPr algn="ctr"/>
+                <a:r>
+                  <a:rPr lang="en-FR" b="1" dirty="0">
+                    <a:solidFill>
+                      <a:sysClr val="windowText" lastClr="000000"/>
+                    </a:solidFill>
+                  </a:rPr>
+                  <a:t>Derivative.h</a:t>
+                </a:r>
+              </a:p>
+              <a:p>
+                <a:pPr marL="184150" indent="-184150"/>
+                <a:endParaRPr lang="en-FR" dirty="0">
+                  <a:solidFill>
+                    <a:sysClr val="windowText" lastClr="000000"/>
+                  </a:solidFill>
+                </a:endParaRPr>
+              </a:p>
+              <a:p>
+                <a:pPr marL="184150" indent="-184150"/>
+                <a:r>
+                  <a:rPr lang="en-FR" b="1" dirty="0">
+                    <a:solidFill>
+                      <a:sysClr val="windowText" lastClr="000000"/>
+                    </a:solidFill>
+                  </a:rPr>
+                  <a:t>def</a:t>
+                </a:r>
+                <a:r>
+                  <a:rPr lang="en-FR" dirty="0">
+                    <a:solidFill>
+                      <a:sysClr val="windowText" lastClr="000000"/>
+                    </a:solidFill>
+                  </a:rPr>
+                  <a:t> Derivative( f(x</a:t>
+                </a:r>
+                <a:r>
+                  <a:rPr lang="en-FR" baseline="-25000" dirty="0">
+                    <a:solidFill>
+                      <a:sysClr val="windowText" lastClr="000000"/>
+                    </a:solidFill>
+                  </a:rPr>
+                  <a:t>1</a:t>
+                </a:r>
+                <a:r>
+                  <a:rPr lang="en-FR" dirty="0">
+                    <a:solidFill>
+                      <a:sysClr val="windowText" lastClr="000000"/>
+                    </a:solidFill>
+                  </a:rPr>
+                  <a:t>, …, x</a:t>
+                </a:r>
+                <a:r>
+                  <a:rPr lang="en-FR" baseline="-25000" dirty="0">
+                    <a:solidFill>
+                      <a:sysClr val="windowText" lastClr="000000"/>
+                    </a:solidFill>
+                  </a:rPr>
+                  <a:t>n</a:t>
+                </a:r>
+                <a:r>
+                  <a:rPr lang="en-FR" dirty="0">
+                    <a:solidFill>
+                      <a:sysClr val="windowText" lastClr="000000"/>
+                    </a:solidFill>
+                  </a:rPr>
+                  <a:t>), x</a:t>
+                </a:r>
+                <a:r>
+                  <a:rPr lang="en-FR" baseline="-25000" dirty="0">
+                    <a:solidFill>
+                      <a:sysClr val="windowText" lastClr="000000"/>
+                    </a:solidFill>
+                  </a:rPr>
+                  <a:t>i</a:t>
+                </a:r>
+                <a:r>
+                  <a:rPr lang="en-FR" dirty="0">
+                    <a:solidFill>
+                      <a:sysClr val="windowText" lastClr="000000"/>
+                    </a:solidFill>
+                  </a:rPr>
+                  <a:t> ):</a:t>
+                </a:r>
+              </a:p>
+              <a:p>
+                <a:pPr marL="184150"/>
+                <a:r>
+                  <a:rPr lang="en-FR" b="1" dirty="0">
+                    <a:solidFill>
+                      <a:sysClr val="windowText" lastClr="000000"/>
+                    </a:solidFill>
+                  </a:rPr>
+                  <a:t>return</a:t>
+                </a:r>
+                <a:r>
+                  <a:rPr lang="en-FR" dirty="0">
+                    <a:solidFill>
+                      <a:sysClr val="windowText" lastClr="000000"/>
+                    </a:solidFill>
+                  </a:rPr>
+                  <a:t> </a:t>
+                </a:r>
+                <a14:m>
+                  <m:oMath xmlns:m="http://schemas.openxmlformats.org/officeDocument/2006/math">
+                    <m:f>
+                      <m:fPr>
+                        <m:ctrlPr>
+                          <a:rPr lang="en-GB" i="1" smtClean="0">
+                            <a:solidFill>
+                              <a:sysClr val="windowText" lastClr="000000"/>
+                            </a:solidFill>
+                            <a:latin typeface="Cambria Math" panose="02040503050406030204" pitchFamily="18" charset="0"/>
+                          </a:rPr>
+                        </m:ctrlPr>
+                      </m:fPr>
+                      <m:num>
+                        <m:r>
+                          <a:rPr lang="en-GB" i="1" smtClean="0">
+                            <a:solidFill>
+                              <a:sysClr val="windowText" lastClr="000000"/>
+                            </a:solidFill>
+                            <a:latin typeface="Cambria Math" panose="02040503050406030204" pitchFamily="18" charset="0"/>
+                            <a:ea typeface="Cambria Math" panose="02040503050406030204" pitchFamily="18" charset="0"/>
+                          </a:rPr>
+                          <m:t>𝜕</m:t>
+                        </m:r>
+                        <m:r>
+                          <a:rPr lang="fr-FR" b="0" i="1" smtClean="0">
+                            <a:solidFill>
+                              <a:sysClr val="windowText" lastClr="000000"/>
+                            </a:solidFill>
+                            <a:latin typeface="Cambria Math" panose="02040503050406030204" pitchFamily="18" charset="0"/>
+                          </a:rPr>
+                          <m:t>𝑓</m:t>
+                        </m:r>
+                      </m:num>
+                      <m:den>
+                        <m:r>
+                          <a:rPr lang="en-GB" i="1" smtClean="0">
+                            <a:solidFill>
+                              <a:sysClr val="windowText" lastClr="000000"/>
+                            </a:solidFill>
+                            <a:latin typeface="Cambria Math" panose="02040503050406030204" pitchFamily="18" charset="0"/>
+                            <a:ea typeface="Cambria Math" panose="02040503050406030204" pitchFamily="18" charset="0"/>
+                          </a:rPr>
+                          <m:t>𝜕</m:t>
+                        </m:r>
+                        <m:sSub>
+                          <m:sSubPr>
+                            <m:ctrlPr>
+                              <a:rPr lang="en-GB" i="1" smtClean="0">
+                                <a:solidFill>
+                                  <a:sysClr val="windowText" lastClr="000000"/>
+                                </a:solidFill>
+                                <a:latin typeface="Cambria Math" panose="02040503050406030204" pitchFamily="18" charset="0"/>
+                                <a:ea typeface="Cambria Math" panose="02040503050406030204" pitchFamily="18" charset="0"/>
+                              </a:rPr>
+                            </m:ctrlPr>
+                          </m:sSubPr>
+                          <m:e>
+                            <m:r>
+                              <a:rPr lang="fr-FR" b="0" i="1" smtClean="0">
+                                <a:solidFill>
+                                  <a:sysClr val="windowText" lastClr="000000"/>
+                                </a:solidFill>
+                                <a:latin typeface="Cambria Math" panose="02040503050406030204" pitchFamily="18" charset="0"/>
+                                <a:ea typeface="Cambria Math" panose="02040503050406030204" pitchFamily="18" charset="0"/>
+                              </a:rPr>
+                              <m:t>𝑥</m:t>
+                            </m:r>
+                          </m:e>
+                          <m:sub>
+                            <m:r>
+                              <a:rPr lang="fr-FR" b="0" i="1" smtClean="0">
+                                <a:solidFill>
+                                  <a:sysClr val="windowText" lastClr="000000"/>
+                                </a:solidFill>
+                                <a:latin typeface="Cambria Math" panose="02040503050406030204" pitchFamily="18" charset="0"/>
+                                <a:ea typeface="Cambria Math" panose="02040503050406030204" pitchFamily="18" charset="0"/>
+                              </a:rPr>
+                              <m:t>𝑖</m:t>
+                            </m:r>
+                          </m:sub>
+                        </m:sSub>
+                      </m:den>
+                    </m:f>
+                  </m:oMath>
+                </a14:m>
+                <a:r>
+                  <a:rPr lang="en-FR" dirty="0">
+                    <a:solidFill>
+                      <a:sysClr val="windowText" lastClr="000000"/>
+                    </a:solidFill>
+                  </a:rPr>
+                  <a:t>(x</a:t>
+                </a:r>
+                <a:r>
+                  <a:rPr lang="en-FR" baseline="-25000" dirty="0">
+                    <a:solidFill>
+                      <a:sysClr val="windowText" lastClr="000000"/>
+                    </a:solidFill>
+                  </a:rPr>
+                  <a:t>1</a:t>
+                </a:r>
+                <a:r>
+                  <a:rPr lang="en-FR" dirty="0">
+                    <a:solidFill>
+                      <a:sysClr val="windowText" lastClr="000000"/>
+                    </a:solidFill>
+                  </a:rPr>
+                  <a:t>, …, x</a:t>
+                </a:r>
+                <a:r>
+                  <a:rPr lang="en-FR" baseline="-25000" dirty="0">
+                    <a:solidFill>
+                      <a:sysClr val="windowText" lastClr="000000"/>
+                    </a:solidFill>
+                  </a:rPr>
+                  <a:t>n</a:t>
+                </a:r>
+                <a:r>
+                  <a:rPr lang="en-FR" dirty="0">
+                    <a:solidFill>
+                      <a:sysClr val="windowText" lastClr="000000"/>
+                    </a:solidFill>
+                  </a:rPr>
+                  <a:t>)</a:t>
+                </a:r>
+              </a:p>
+            </p:txBody>
+          </p:sp>
+        </mc:Choice>
+        <mc:Fallback>
+          <p:sp>
+            <p:nvSpPr>
+              <p:cNvPr id="73" name="Rectangle 72">
+                <a:extLst>
+                  <a:ext uri="{FF2B5EF4-FFF2-40B4-BE49-F238E27FC236}">
+                    <a16:creationId xmlns:a16="http://schemas.microsoft.com/office/drawing/2014/main" id="{19E4F34B-0041-2109-F218-AD096EDDEB80}"/>
+                  </a:ext>
+                </a:extLst>
+              </p:cNvPr>
+              <p:cNvSpPr>
+                <a:spLocks noRot="1" noChangeAspect="1" noMove="1" noResize="1" noEditPoints="1" noAdjustHandles="1" noChangeArrowheads="1" noChangeShapeType="1" noTextEdit="1"/>
+              </p:cNvSpPr>
+              <p:nvPr/>
+            </p:nvSpPr>
+            <p:spPr>
+              <a:xfrm>
+                <a:off x="19008353" y="16765547"/>
+                <a:ext cx="3240000" cy="1800000"/>
+              </a:xfrm>
+              <a:prstGeom prst="rect">
+                <a:avLst/>
+              </a:prstGeom>
+              <a:blipFill>
+                <a:blip r:embed="rId2"/>
+                <a:stretch>
+                  <a:fillRect l="-1556" t="-690"/>
+                </a:stretch>
+              </a:blipFill>
+              <a:ln w="19050">
+                <a:solidFill>
+                  <a:schemeClr val="tx1"/>
+                </a:solidFill>
+                <a:prstDash val="lgDash"/>
+              </a:ln>
+            </p:spPr>
+            <p:txBody>
+              <a:bodyPr/>
+              <a:lstStyle/>
+              <a:p>
+                <a:r>
+                  <a:rPr lang="en-FR">
+                    <a:noFill/>
+                  </a:rPr>
+                  <a:t> </a:t>
+                </a:r>
+              </a:p>
+            </p:txBody>
+          </p:sp>
+        </mc:Fallback>
+      </mc:AlternateContent>
       <p:sp>
         <p:nvSpPr>
           <p:cNvPr id="74" name="Rectangle 73">
@@ -5145,7 +5411,7 @@
         </p:nvSpPr>
         <p:spPr>
           <a:xfrm>
-            <a:off x="20880000" y="3600000"/>
+            <a:off x="18360000" y="2520001"/>
             <a:ext cx="7200000" cy="7560000"/>
           </a:xfrm>
           <a:prstGeom prst="rect">
@@ -5208,7 +5474,7 @@
         </p:nvSpPr>
         <p:spPr>
           <a:xfrm>
-            <a:off x="21240000" y="4320000"/>
+            <a:off x="18720000" y="3240001"/>
             <a:ext cx="2880000" cy="3396982"/>
           </a:xfrm>
           <a:prstGeom prst="rect">
@@ -5352,7 +5618,7 @@
         </p:nvSpPr>
         <p:spPr>
           <a:xfrm>
-            <a:off x="24480000" y="8640000"/>
+            <a:off x="21960000" y="7560001"/>
             <a:ext cx="3240000" cy="1080000"/>
           </a:xfrm>
           <a:prstGeom prst="rect">
@@ -5435,8 +5701,8 @@
         </p:nvSpPr>
         <p:spPr>
           <a:xfrm>
-            <a:off x="20880000" y="12240000"/>
-            <a:ext cx="4345448" cy="2196053"/>
+            <a:off x="26640000" y="7200001"/>
+            <a:ext cx="7200000" cy="2879999"/>
           </a:xfrm>
           <a:prstGeom prst="rect">
             <a:avLst/>
@@ -5494,8 +5760,8 @@
         </p:nvSpPr>
         <p:spPr>
           <a:xfrm>
-            <a:off x="20882700" y="15516054"/>
-            <a:ext cx="4342748" cy="2196052"/>
+            <a:off x="1080000" y="11160001"/>
+            <a:ext cx="3600000" cy="2160000"/>
           </a:xfrm>
           <a:prstGeom prst="rect">
             <a:avLst/>
@@ -5553,7 +5819,7 @@
         </p:nvSpPr>
         <p:spPr>
           <a:xfrm>
-            <a:off x="16559998" y="16560000"/>
+            <a:off x="10800000" y="15521202"/>
             <a:ext cx="2880000" cy="1800000"/>
           </a:xfrm>
           <a:prstGeom prst="rect">
@@ -5623,7 +5889,7 @@
         </p:nvSpPr>
         <p:spPr>
           <a:xfrm>
-            <a:off x="16559998" y="18720000"/>
+            <a:off x="14039999" y="16920000"/>
             <a:ext cx="2880000" cy="1800000"/>
           </a:xfrm>
           <a:prstGeom prst="rect">
@@ -5679,100 +5945,6 @@
           </a:p>
         </p:txBody>
       </p:sp>
-      <p:sp>
-        <p:nvSpPr>
-          <p:cNvPr id="86" name="Rectangle 85">
-            <a:extLst>
-              <a:ext uri="{FF2B5EF4-FFF2-40B4-BE49-F238E27FC236}">
-                <a16:creationId xmlns:a16="http://schemas.microsoft.com/office/drawing/2014/main" id="{53C98D5D-09A9-F1F0-792F-5F85E19C1104}"/>
-              </a:ext>
-            </a:extLst>
-          </p:cNvPr>
-          <p:cNvSpPr/>
-          <p:nvPr/>
-        </p:nvSpPr>
-        <p:spPr>
-          <a:xfrm>
-            <a:off x="13290128" y="18720000"/>
-            <a:ext cx="2880000" cy="1800000"/>
-          </a:xfrm>
-          <a:prstGeom prst="rect">
-            <a:avLst/>
-          </a:prstGeom>
-          <a:solidFill>
-            <a:schemeClr val="bg1"/>
-          </a:solidFill>
-          <a:ln w="19050">
-            <a:solidFill>
-              <a:schemeClr val="tx1"/>
-            </a:solidFill>
-            <a:prstDash val="lgDash"/>
-          </a:ln>
-        </p:spPr>
-        <p:style>
-          <a:lnRef idx="2">
-            <a:schemeClr val="accent1">
-              <a:shade val="15000"/>
-            </a:schemeClr>
-          </a:lnRef>
-          <a:fillRef idx="1">
-            <a:schemeClr val="accent1"/>
-          </a:fillRef>
-          <a:effectRef idx="0">
-            <a:schemeClr val="accent1"/>
-          </a:effectRef>
-          <a:fontRef idx="minor">
-            <a:schemeClr val="lt1"/>
-          </a:fontRef>
-        </p:style>
-        <p:txBody>
-          <a:bodyPr lIns="90000" numCol="1" rtlCol="0" anchor="t"/>
-          <a:lstStyle/>
-          <a:p>
-            <a:pPr algn="ctr"/>
-            <a:r>
-              <a:rPr lang="en-FR" b="1" dirty="0">
-                <a:solidFill>
-                  <a:sysClr val="windowText" lastClr="000000"/>
-                </a:solidFill>
-              </a:rPr>
-              <a:t>ADF.h</a:t>
-            </a:r>
-          </a:p>
-          <a:p>
-            <a:pPr algn="ctr"/>
-            <a:endParaRPr lang="en-FR" b="1" dirty="0">
-              <a:solidFill>
-                <a:sysClr val="windowText" lastClr="000000"/>
-              </a:solidFill>
-            </a:endParaRPr>
-          </a:p>
-          <a:p>
-            <a:pPr algn="ctr"/>
-            <a:r>
-              <a:rPr lang="en-GB" b="1" dirty="0">
-                <a:solidFill>
-                  <a:sysClr val="windowText" lastClr="000000"/>
-                </a:solidFill>
-              </a:rPr>
-              <a:t>Augmented Dickey-Fuller test</a:t>
-            </a:r>
-            <a:endParaRPr lang="en-FR" b="1" dirty="0">
-              <a:solidFill>
-                <a:sysClr val="windowText" lastClr="000000"/>
-              </a:solidFill>
-            </a:endParaRPr>
-          </a:p>
-          <a:p>
-            <a:pPr marL="184150" indent="-184150"/>
-            <a:endParaRPr lang="en-FR" dirty="0">
-              <a:solidFill>
-                <a:sysClr val="windowText" lastClr="000000"/>
-              </a:solidFill>
-            </a:endParaRPr>
-          </a:p>
-        </p:txBody>
-      </p:sp>
       <p:cxnSp>
         <p:nvCxnSpPr>
           <p:cNvPr id="93" name="Elbow Connector 92">
@@ -5789,7 +5961,7 @@
         </p:nvCxnSpPr>
         <p:spPr>
           <a:xfrm rot="10800000" flipV="1">
-            <a:off x="20628000" y="5758132"/>
+            <a:off x="18108000" y="4678133"/>
             <a:ext cx="3850244" cy="919680"/>
           </a:xfrm>
           <a:prstGeom prst="bentConnector3">
@@ -5834,7 +6006,7 @@
         </p:nvCxnSpPr>
         <p:spPr>
           <a:xfrm>
-            <a:off x="20628000" y="6686737"/>
+            <a:off x="18108000" y="5606738"/>
             <a:ext cx="475200" cy="316734"/>
           </a:xfrm>
           <a:prstGeom prst="bentConnector3">
@@ -5878,7 +6050,7 @@
         </p:nvSpPr>
         <p:spPr>
           <a:xfrm>
-            <a:off x="24188468" y="4960189"/>
+            <a:off x="21668468" y="3880190"/>
             <a:ext cx="289776" cy="1595886"/>
           </a:xfrm>
           <a:prstGeom prst="rightBrace">
@@ -5932,7 +6104,7 @@
         </p:nvCxnSpPr>
         <p:spPr>
           <a:xfrm>
-            <a:off x="16423200" y="5328000"/>
+            <a:off x="13903200" y="4248001"/>
             <a:ext cx="4204800" cy="1358737"/>
           </a:xfrm>
           <a:prstGeom prst="bentConnector3">
@@ -5975,7 +6147,7 @@
         </p:nvSpPr>
         <p:spPr>
           <a:xfrm>
-            <a:off x="26280000" y="12239999"/>
+            <a:off x="26640000" y="2520000"/>
             <a:ext cx="7200000" cy="3600000"/>
           </a:xfrm>
           <a:prstGeom prst="rect">
@@ -6034,7 +6206,7 @@
         </p:nvSpPr>
         <p:spPr>
           <a:xfrm>
-            <a:off x="26640000" y="12960000"/>
+            <a:off x="27223200" y="3708001"/>
             <a:ext cx="2880000" cy="1080000"/>
           </a:xfrm>
           <a:prstGeom prst="rect">
@@ -6115,7 +6287,7 @@
         </p:nvSpPr>
         <p:spPr>
           <a:xfrm>
-            <a:off x="29880000" y="12960000"/>
+            <a:off x="30463200" y="3708001"/>
             <a:ext cx="2880000" cy="1080000"/>
           </a:xfrm>
           <a:prstGeom prst="rect">
@@ -6185,8 +6357,8 @@
         </p:nvSpPr>
         <p:spPr>
           <a:xfrm>
-            <a:off x="3599463" y="12239999"/>
-            <a:ext cx="8280000" cy="8640000"/>
+            <a:off x="1080000" y="20160001"/>
+            <a:ext cx="24480000" cy="3600000"/>
           </a:xfrm>
           <a:prstGeom prst="rect">
             <a:avLst/>
@@ -6230,6 +6402,435 @@
                 </a:solidFill>
               </a:rPr>
               <a:t>Data Base</a:t>
+            </a:r>
+          </a:p>
+        </p:txBody>
+      </p:sp>
+      <p:sp>
+        <p:nvSpPr>
+          <p:cNvPr id="86" name="Rectangle 85">
+            <a:extLst>
+              <a:ext uri="{FF2B5EF4-FFF2-40B4-BE49-F238E27FC236}">
+                <a16:creationId xmlns:a16="http://schemas.microsoft.com/office/drawing/2014/main" id="{53C98D5D-09A9-F1F0-792F-5F85E19C1104}"/>
+              </a:ext>
+            </a:extLst>
+          </p:cNvPr>
+          <p:cNvSpPr/>
+          <p:nvPr/>
+        </p:nvSpPr>
+        <p:spPr>
+          <a:xfrm>
+            <a:off x="6120000" y="15120001"/>
+            <a:ext cx="2880000" cy="1800000"/>
+          </a:xfrm>
+          <a:prstGeom prst="rect">
+            <a:avLst/>
+          </a:prstGeom>
+          <a:solidFill>
+            <a:schemeClr val="bg1"/>
+          </a:solidFill>
+          <a:ln w="19050">
+            <a:solidFill>
+              <a:schemeClr val="tx1"/>
+            </a:solidFill>
+            <a:prstDash val="lgDash"/>
+          </a:ln>
+        </p:spPr>
+        <p:style>
+          <a:lnRef idx="2">
+            <a:schemeClr val="accent1">
+              <a:shade val="15000"/>
+            </a:schemeClr>
+          </a:lnRef>
+          <a:fillRef idx="1">
+            <a:schemeClr val="accent1"/>
+          </a:fillRef>
+          <a:effectRef idx="0">
+            <a:schemeClr val="accent1"/>
+          </a:effectRef>
+          <a:fontRef idx="minor">
+            <a:schemeClr val="lt1"/>
+          </a:fontRef>
+        </p:style>
+        <p:txBody>
+          <a:bodyPr lIns="90000" numCol="1" rtlCol="0" anchor="t"/>
+          <a:lstStyle/>
+          <a:p>
+            <a:pPr algn="ctr"/>
+            <a:r>
+              <a:rPr lang="en-FR" b="1" dirty="0">
+                <a:solidFill>
+                  <a:sysClr val="windowText" lastClr="000000"/>
+                </a:solidFill>
+              </a:rPr>
+              <a:t>ADF.h</a:t>
+            </a:r>
+          </a:p>
+          <a:p>
+            <a:pPr algn="ctr"/>
+            <a:endParaRPr lang="en-FR" b="1" dirty="0">
+              <a:solidFill>
+                <a:sysClr val="windowText" lastClr="000000"/>
+              </a:solidFill>
+            </a:endParaRPr>
+          </a:p>
+          <a:p>
+            <a:pPr algn="ctr"/>
+            <a:r>
+              <a:rPr lang="en-GB" b="1" dirty="0">
+                <a:solidFill>
+                  <a:sysClr val="windowText" lastClr="000000"/>
+                </a:solidFill>
+              </a:rPr>
+              <a:t>Augmented Dickey-Fuller test</a:t>
+            </a:r>
+            <a:endParaRPr lang="en-FR" b="1" dirty="0">
+              <a:solidFill>
+                <a:sysClr val="windowText" lastClr="000000"/>
+              </a:solidFill>
+            </a:endParaRPr>
+          </a:p>
+          <a:p>
+            <a:pPr marL="184150" indent="-184150"/>
+            <a:endParaRPr lang="en-FR" dirty="0">
+              <a:solidFill>
+                <a:sysClr val="windowText" lastClr="000000"/>
+              </a:solidFill>
+            </a:endParaRPr>
+          </a:p>
+        </p:txBody>
+      </p:sp>
+      <p:sp>
+        <p:nvSpPr>
+          <p:cNvPr id="11" name="Rectangle 10">
+            <a:extLst>
+              <a:ext uri="{FF2B5EF4-FFF2-40B4-BE49-F238E27FC236}">
+                <a16:creationId xmlns:a16="http://schemas.microsoft.com/office/drawing/2014/main" id="{2D24C5B2-FF31-FE3F-CB19-209A0E3DC25B}"/>
+              </a:ext>
+            </a:extLst>
+          </p:cNvPr>
+          <p:cNvSpPr/>
+          <p:nvPr/>
+        </p:nvSpPr>
+        <p:spPr>
+          <a:xfrm>
+            <a:off x="5760000" y="11160000"/>
+            <a:ext cx="3600000" cy="7920000"/>
+          </a:xfrm>
+          <a:prstGeom prst="rect">
+            <a:avLst/>
+          </a:prstGeom>
+          <a:noFill/>
+          <a:ln w="19050">
+            <a:solidFill>
+              <a:schemeClr val="tx1"/>
+            </a:solidFill>
+            <a:prstDash val="lgDash"/>
+          </a:ln>
+        </p:spPr>
+        <p:style>
+          <a:lnRef idx="2">
+            <a:schemeClr val="accent1">
+              <a:shade val="15000"/>
+            </a:schemeClr>
+          </a:lnRef>
+          <a:fillRef idx="1">
+            <a:schemeClr val="accent1"/>
+          </a:fillRef>
+          <a:effectRef idx="0">
+            <a:schemeClr val="accent1"/>
+          </a:effectRef>
+          <a:fontRef idx="minor">
+            <a:schemeClr val="lt1"/>
+          </a:fontRef>
+        </p:style>
+        <p:txBody>
+          <a:bodyPr rtlCol="0" anchor="t"/>
+          <a:lstStyle/>
+          <a:p>
+            <a:r>
+              <a:rPr lang="en-FR" i="1" dirty="0">
+                <a:solidFill>
+                  <a:sysClr val="windowText" lastClr="000000"/>
+                </a:solidFill>
+              </a:rPr>
+              <a:t>Tests</a:t>
+            </a:r>
+          </a:p>
+          <a:p>
+            <a:endParaRPr lang="en-FR" i="1" dirty="0">
+              <a:solidFill>
+                <a:sysClr val="windowText" lastClr="000000"/>
+              </a:solidFill>
+            </a:endParaRPr>
+          </a:p>
+          <a:p>
+            <a:r>
+              <a:rPr lang="en-FR" i="1" dirty="0">
+                <a:solidFill>
+                  <a:sysClr val="windowText" lastClr="000000"/>
+                </a:solidFill>
+              </a:rPr>
+              <a:t>Binomial distrib?</a:t>
+            </a:r>
+          </a:p>
+          <a:p>
+            <a:r>
+              <a:rPr lang="en-FR" i="1" dirty="0">
+                <a:solidFill>
+                  <a:sysClr val="windowText" lastClr="000000"/>
+                </a:solidFill>
+              </a:rPr>
+              <a:t>Normal distrib?</a:t>
+            </a:r>
+          </a:p>
+          <a:p>
+            <a:endParaRPr lang="en-FR" i="1" dirty="0">
+              <a:solidFill>
+                <a:sysClr val="windowText" lastClr="000000"/>
+              </a:solidFill>
+            </a:endParaRPr>
+          </a:p>
+          <a:p>
+            <a:r>
+              <a:rPr lang="en-FR" i="1" dirty="0">
+                <a:solidFill>
+                  <a:sysClr val="windowText" lastClr="000000"/>
+                </a:solidFill>
+              </a:rPr>
+              <a:t>R2</a:t>
+            </a:r>
+          </a:p>
+          <a:p>
+            <a:r>
+              <a:rPr lang="en-GB" i="1" dirty="0">
+                <a:solidFill>
+                  <a:sysClr val="windowText" lastClr="000000"/>
+                </a:solidFill>
+              </a:rPr>
+              <a:t>P</a:t>
+            </a:r>
+            <a:r>
+              <a:rPr lang="en-FR" i="1" dirty="0">
+                <a:solidFill>
+                  <a:sysClr val="windowText" lastClr="000000"/>
+                </a:solidFill>
+              </a:rPr>
+              <a:t> value</a:t>
+            </a:r>
+          </a:p>
+          <a:p>
+            <a:r>
+              <a:rPr lang="en-GB" i="1" dirty="0">
+                <a:solidFill>
+                  <a:sysClr val="windowText" lastClr="000000"/>
+                </a:solidFill>
+              </a:rPr>
+              <a:t>Z</a:t>
+            </a:r>
+            <a:endParaRPr lang="en-FR" i="1" dirty="0">
+              <a:solidFill>
+                <a:sysClr val="windowText" lastClr="000000"/>
+              </a:solidFill>
+            </a:endParaRPr>
+          </a:p>
+          <a:p>
+            <a:r>
+              <a:rPr lang="en-GB" i="1" dirty="0">
+                <a:solidFill>
+                  <a:sysClr val="windowText" lastClr="000000"/>
+                </a:solidFill>
+              </a:rPr>
+              <a:t>T</a:t>
+            </a:r>
+            <a:endParaRPr lang="en-FR" i="1" dirty="0">
+              <a:solidFill>
+                <a:sysClr val="windowText" lastClr="000000"/>
+              </a:solidFill>
+            </a:endParaRPr>
+          </a:p>
+          <a:p>
+            <a:r>
+              <a:rPr lang="en-FR" i="1" dirty="0">
+                <a:solidFill>
+                  <a:sysClr val="windowText" lastClr="000000"/>
+                </a:solidFill>
+              </a:rPr>
+              <a:t>Xhi</a:t>
+            </a:r>
+          </a:p>
+          <a:p>
+            <a:endParaRPr lang="en-FR" i="1" dirty="0">
+              <a:solidFill>
+                <a:sysClr val="windowText" lastClr="000000"/>
+              </a:solidFill>
+            </a:endParaRPr>
+          </a:p>
+          <a:p>
+            <a:r>
+              <a:rPr lang="en-FR" i="1" dirty="0">
+                <a:solidFill>
+                  <a:sysClr val="windowText" lastClr="000000"/>
+                </a:solidFill>
+              </a:rPr>
+              <a:t>+ a flag, ok significant</a:t>
+            </a:r>
+          </a:p>
+        </p:txBody>
+      </p:sp>
+      <p:sp>
+        <p:nvSpPr>
+          <p:cNvPr id="13" name="Rectangle 12">
+            <a:extLst>
+              <a:ext uri="{FF2B5EF4-FFF2-40B4-BE49-F238E27FC236}">
+                <a16:creationId xmlns:a16="http://schemas.microsoft.com/office/drawing/2014/main" id="{E454AA35-E72B-020D-56E6-722EDCE67B6C}"/>
+              </a:ext>
+            </a:extLst>
+          </p:cNvPr>
+          <p:cNvSpPr/>
+          <p:nvPr/>
+        </p:nvSpPr>
+        <p:spPr>
+          <a:xfrm>
+            <a:off x="18360000" y="15849018"/>
+            <a:ext cx="4342748" cy="3230982"/>
+          </a:xfrm>
+          <a:prstGeom prst="rect">
+            <a:avLst/>
+          </a:prstGeom>
+          <a:noFill/>
+          <a:ln w="19050">
+            <a:solidFill>
+              <a:schemeClr val="tx1"/>
+            </a:solidFill>
+            <a:prstDash val="lgDash"/>
+          </a:ln>
+        </p:spPr>
+        <p:style>
+          <a:lnRef idx="2">
+            <a:schemeClr val="accent1">
+              <a:shade val="15000"/>
+            </a:schemeClr>
+          </a:lnRef>
+          <a:fillRef idx="1">
+            <a:schemeClr val="accent1"/>
+          </a:fillRef>
+          <a:effectRef idx="0">
+            <a:schemeClr val="accent1"/>
+          </a:effectRef>
+          <a:fontRef idx="minor">
+            <a:schemeClr val="lt1"/>
+          </a:fontRef>
+        </p:style>
+        <p:txBody>
+          <a:bodyPr rtlCol="0" anchor="t"/>
+          <a:lstStyle/>
+          <a:p>
+            <a:r>
+              <a:rPr lang="en-FR" i="1" dirty="0">
+                <a:solidFill>
+                  <a:sysClr val="windowText" lastClr="000000"/>
+                </a:solidFill>
+              </a:rPr>
+              <a:t>Math/numeric</a:t>
+            </a:r>
+          </a:p>
+        </p:txBody>
+      </p:sp>
+      <p:sp>
+        <p:nvSpPr>
+          <p:cNvPr id="14" name="Rectangle 13">
+            <a:extLst>
+              <a:ext uri="{FF2B5EF4-FFF2-40B4-BE49-F238E27FC236}">
+                <a16:creationId xmlns:a16="http://schemas.microsoft.com/office/drawing/2014/main" id="{2EBFC737-FD8A-BA16-3038-7C2DAC9E5C51}"/>
+              </a:ext>
+            </a:extLst>
+          </p:cNvPr>
+          <p:cNvSpPr/>
+          <p:nvPr/>
+        </p:nvSpPr>
+        <p:spPr>
+          <a:xfrm>
+            <a:off x="1440000" y="20880001"/>
+            <a:ext cx="2880000" cy="2520000"/>
+          </a:xfrm>
+          <a:prstGeom prst="rect">
+            <a:avLst/>
+          </a:prstGeom>
+          <a:solidFill>
+            <a:schemeClr val="accent1">
+              <a:lumMod val="60000"/>
+              <a:lumOff val="40000"/>
+            </a:schemeClr>
+          </a:solidFill>
+          <a:ln w="19050">
+            <a:solidFill>
+              <a:schemeClr val="tx1"/>
+            </a:solidFill>
+          </a:ln>
+        </p:spPr>
+        <p:style>
+          <a:lnRef idx="2">
+            <a:schemeClr val="accent1">
+              <a:shade val="15000"/>
+            </a:schemeClr>
+          </a:lnRef>
+          <a:fillRef idx="1">
+            <a:schemeClr val="accent1"/>
+          </a:fillRef>
+          <a:effectRef idx="0">
+            <a:schemeClr val="accent1"/>
+          </a:effectRef>
+          <a:fontRef idx="minor">
+            <a:schemeClr val="lt1"/>
+          </a:fontRef>
+        </p:style>
+        <p:txBody>
+          <a:bodyPr lIns="90000" numCol="1" rtlCol="0" anchor="t"/>
+          <a:lstStyle/>
+          <a:p>
+            <a:pPr algn="ctr"/>
+            <a:r>
+              <a:rPr lang="en-FR" b="1" dirty="0">
+                <a:solidFill>
+                  <a:sysClr val="windowText" lastClr="000000"/>
+                </a:solidFill>
+              </a:rPr>
+              <a:t>Positions.csv</a:t>
+            </a:r>
+          </a:p>
+          <a:p>
+            <a:pPr algn="just"/>
+            <a:endParaRPr lang="en-FR" dirty="0">
+              <a:solidFill>
+                <a:sysClr val="windowText" lastClr="000000"/>
+              </a:solidFill>
+            </a:endParaRPr>
+          </a:p>
+          <a:p>
+            <a:pPr marL="6350" algn="just">
+              <a:tabLst>
+                <a:tab pos="4124325" algn="l"/>
+              </a:tabLst>
+            </a:pPr>
+            <a:r>
+              <a:rPr lang="en-FR" dirty="0">
+                <a:solidFill>
+                  <a:sysClr val="windowText" lastClr="000000"/>
+                </a:solidFill>
+              </a:rPr>
+              <a:t>Ticker                string DateStart          string      PriceBrought double       PosVolume               int PosReturn         double PosLen                    double </a:t>
+            </a:r>
+            <a:r>
+              <a:rPr lang="en-FR" dirty="0">
+                <a:solidFill>
+                  <a:schemeClr val="accent1">
+                    <a:lumMod val="60000"/>
+                    <a:lumOff val="40000"/>
+                  </a:schemeClr>
+                </a:solidFill>
+              </a:rPr>
+              <a:t>blbl</a:t>
             </a:r>
           </a:p>
         </p:txBody>

--- a/Overview.pptx
+++ b/Overview.pptx
@@ -243,7 +243,7 @@
           <a:p>
             <a:fld id="{1436A7A7-0319-7F44-8F6C-B5CC412837B6}" type="datetimeFigureOut">
               <a:rPr lang="en-FR" smtClean="0"/>
-              <a:t>05/11/2024</a:t>
+              <a:t>23/11/2024</a:t>
             </a:fld>
             <a:endParaRPr lang="en-FR"/>
           </a:p>
@@ -413,7 +413,7 @@
           <a:p>
             <a:fld id="{1436A7A7-0319-7F44-8F6C-B5CC412837B6}" type="datetimeFigureOut">
               <a:rPr lang="en-FR" smtClean="0"/>
-              <a:t>05/11/2024</a:t>
+              <a:t>23/11/2024</a:t>
             </a:fld>
             <a:endParaRPr lang="en-FR"/>
           </a:p>
@@ -593,7 +593,7 @@
           <a:p>
             <a:fld id="{1436A7A7-0319-7F44-8F6C-B5CC412837B6}" type="datetimeFigureOut">
               <a:rPr lang="en-FR" smtClean="0"/>
-              <a:t>05/11/2024</a:t>
+              <a:t>23/11/2024</a:t>
             </a:fld>
             <a:endParaRPr lang="en-FR"/>
           </a:p>
@@ -763,7 +763,7 @@
           <a:p>
             <a:fld id="{1436A7A7-0319-7F44-8F6C-B5CC412837B6}" type="datetimeFigureOut">
               <a:rPr lang="en-FR" smtClean="0"/>
-              <a:t>05/11/2024</a:t>
+              <a:t>23/11/2024</a:t>
             </a:fld>
             <a:endParaRPr lang="en-FR"/>
           </a:p>
@@ -1009,7 +1009,7 @@
           <a:p>
             <a:fld id="{1436A7A7-0319-7F44-8F6C-B5CC412837B6}" type="datetimeFigureOut">
               <a:rPr lang="en-FR" smtClean="0"/>
-              <a:t>05/11/2024</a:t>
+              <a:t>23/11/2024</a:t>
             </a:fld>
             <a:endParaRPr lang="en-FR"/>
           </a:p>
@@ -1241,7 +1241,7 @@
           <a:p>
             <a:fld id="{1436A7A7-0319-7F44-8F6C-B5CC412837B6}" type="datetimeFigureOut">
               <a:rPr lang="en-FR" smtClean="0"/>
-              <a:t>05/11/2024</a:t>
+              <a:t>23/11/2024</a:t>
             </a:fld>
             <a:endParaRPr lang="en-FR"/>
           </a:p>
@@ -1608,7 +1608,7 @@
           <a:p>
             <a:fld id="{1436A7A7-0319-7F44-8F6C-B5CC412837B6}" type="datetimeFigureOut">
               <a:rPr lang="en-FR" smtClean="0"/>
-              <a:t>05/11/2024</a:t>
+              <a:t>23/11/2024</a:t>
             </a:fld>
             <a:endParaRPr lang="en-FR"/>
           </a:p>
@@ -1726,7 +1726,7 @@
           <a:p>
             <a:fld id="{1436A7A7-0319-7F44-8F6C-B5CC412837B6}" type="datetimeFigureOut">
               <a:rPr lang="en-FR" smtClean="0"/>
-              <a:t>05/11/2024</a:t>
+              <a:t>23/11/2024</a:t>
             </a:fld>
             <a:endParaRPr lang="en-FR"/>
           </a:p>
@@ -1821,7 +1821,7 @@
           <a:p>
             <a:fld id="{1436A7A7-0319-7F44-8F6C-B5CC412837B6}" type="datetimeFigureOut">
               <a:rPr lang="en-FR" smtClean="0"/>
-              <a:t>05/11/2024</a:t>
+              <a:t>23/11/2024</a:t>
             </a:fld>
             <a:endParaRPr lang="en-FR"/>
           </a:p>
@@ -2098,7 +2098,7 @@
           <a:p>
             <a:fld id="{1436A7A7-0319-7F44-8F6C-B5CC412837B6}" type="datetimeFigureOut">
               <a:rPr lang="en-FR" smtClean="0"/>
-              <a:t>05/11/2024</a:t>
+              <a:t>23/11/2024</a:t>
             </a:fld>
             <a:endParaRPr lang="en-FR"/>
           </a:p>
@@ -2355,7 +2355,7 @@
           <a:p>
             <a:fld id="{1436A7A7-0319-7F44-8F6C-B5CC412837B6}" type="datetimeFigureOut">
               <a:rPr lang="en-FR" smtClean="0"/>
-              <a:t>05/11/2024</a:t>
+              <a:t>23/11/2024</a:t>
             </a:fld>
             <a:endParaRPr lang="en-FR"/>
           </a:p>
@@ -2568,7 +2568,7 @@
           <a:p>
             <a:fld id="{1436A7A7-0319-7F44-8F6C-B5CC412837B6}" type="datetimeFigureOut">
               <a:rPr lang="en-FR" smtClean="0"/>
-              <a:t>05/11/2024</a:t>
+              <a:t>23/11/2024</a:t>
             </a:fld>
             <a:endParaRPr lang="en-FR"/>
           </a:p>
@@ -3958,7 +3958,7 @@
           <a:p>
             <a:pPr algn="ctr"/>
             <a:r>
-              <a:rPr lang="en-GB" b="1" dirty="0" err="1">
+              <a:rPr lang="en-GB" b="1" dirty="0">
                 <a:solidFill>
                   <a:sysClr val="windowText" lastClr="000000"/>
                 </a:solidFill>
@@ -4421,7 +4421,7 @@
           <a:p>
             <a:pPr algn="ctr"/>
             <a:r>
-              <a:rPr lang="en-GB" b="1" dirty="0" err="1">
+              <a:rPr lang="en-GB" b="1" dirty="0">
                 <a:solidFill>
                   <a:sysClr val="windowText" lastClr="000000"/>
                 </a:solidFill>
@@ -4775,7 +4775,7 @@
               <a:t>def </a:t>
             </a:r>
             <a:r>
-              <a:rPr lang="en-GB" dirty="0" err="1">
+              <a:rPr lang="en-GB" dirty="0">
                 <a:solidFill>
                   <a:sysClr val="windowText" lastClr="000000"/>
                 </a:solidFill>
@@ -5058,8 +5058,8 @@
           </a:fontRef>
         </p:style>
       </p:cxnSp>
-      <mc:AlternateContent xmlns:mc="http://schemas.openxmlformats.org/markup-compatibility/2006">
-        <mc:Choice xmlns:a14="http://schemas.microsoft.com/office/drawing/2010/main" Requires="a14">
+      <mc:AlternateContent xmlns:mc="http://schemas.openxmlformats.org/markup-compatibility/2006" xmlns:a14="http://schemas.microsoft.com/office/drawing/2010/main">
+        <mc:Choice Requires="a14">
           <p:sp>
             <p:nvSpPr>
               <p:cNvPr id="73" name="Rectangle 72">
@@ -5346,7 +5346,7 @@
             </p:txBody>
           </p:sp>
         </mc:Choice>
-        <mc:Fallback>
+        <mc:Fallback xmlns="">
           <p:sp>
             <p:nvSpPr>
               <p:cNvPr id="73" name="Rectangle 72">
